--- a/Project/Project Update Final.pptx
+++ b/Project/Project Update Final.pptx
@@ -199,7 +199,7 @@
           <a:p>
             <a:fld id="{ABB69B23-120A-4BEA-8F94-97FEFC3656C1}" type="datetimeFigureOut">
               <a:rPr lang="en-US" smtClean="0"/>
-              <a:t>8/10/2019</a:t>
+              <a:t>8/12/2019</a:t>
             </a:fld>
             <a:endParaRPr lang="en-US"/>
           </a:p>
@@ -5001,7 +5001,7 @@
           <a:p>
             <a:fld id="{207AA94B-B260-453C-A0A0-1638B254BB46}" type="datetimeFigureOut">
               <a:rPr lang="en-US" smtClean="0"/>
-              <a:t>8/10/2019</a:t>
+              <a:t>8/12/2019</a:t>
             </a:fld>
             <a:endParaRPr lang="en-US"/>
           </a:p>
@@ -5271,7 +5271,7 @@
           <a:p>
             <a:fld id="{207AA94B-B260-453C-A0A0-1638B254BB46}" type="datetimeFigureOut">
               <a:rPr lang="en-US" smtClean="0"/>
-              <a:t>8/10/2019</a:t>
+              <a:t>8/12/2019</a:t>
             </a:fld>
             <a:endParaRPr lang="en-US"/>
           </a:p>
@@ -5470,7 +5470,7 @@
           <a:p>
             <a:fld id="{207AA94B-B260-453C-A0A0-1638B254BB46}" type="datetimeFigureOut">
               <a:rPr lang="en-US" smtClean="0"/>
-              <a:t>8/10/2019</a:t>
+              <a:t>8/12/2019</a:t>
             </a:fld>
             <a:endParaRPr lang="en-US"/>
           </a:p>
@@ -5736,7 +5736,7 @@
           <a:p>
             <a:fld id="{207AA94B-B260-453C-A0A0-1638B254BB46}" type="datetimeFigureOut">
               <a:rPr lang="en-US" smtClean="0"/>
-              <a:t>8/10/2019</a:t>
+              <a:t>8/12/2019</a:t>
             </a:fld>
             <a:endParaRPr lang="en-US"/>
           </a:p>
@@ -6173,7 +6173,7 @@
           <a:p>
             <a:fld id="{207AA94B-B260-453C-A0A0-1638B254BB46}" type="datetimeFigureOut">
               <a:rPr lang="en-US" smtClean="0"/>
-              <a:t>8/10/2019</a:t>
+              <a:t>8/12/2019</a:t>
             </a:fld>
             <a:endParaRPr lang="en-US"/>
           </a:p>
@@ -6722,7 +6722,7 @@
           <a:p>
             <a:fld id="{207AA94B-B260-453C-A0A0-1638B254BB46}" type="datetimeFigureOut">
               <a:rPr lang="en-US" smtClean="0"/>
-              <a:t>8/10/2019</a:t>
+              <a:t>8/12/2019</a:t>
             </a:fld>
             <a:endParaRPr lang="en-US"/>
           </a:p>
@@ -7445,7 +7445,7 @@
           <a:p>
             <a:fld id="{207AA94B-B260-453C-A0A0-1638B254BB46}" type="datetimeFigureOut">
               <a:rPr lang="en-US" smtClean="0"/>
-              <a:t>8/10/2019</a:t>
+              <a:t>8/12/2019</a:t>
             </a:fld>
             <a:endParaRPr lang="en-US"/>
           </a:p>
@@ -7618,7 +7618,7 @@
           <a:p>
             <a:fld id="{207AA94B-B260-453C-A0A0-1638B254BB46}" type="datetimeFigureOut">
               <a:rPr lang="en-US" smtClean="0"/>
-              <a:t>8/10/2019</a:t>
+              <a:t>8/12/2019</a:t>
             </a:fld>
             <a:endParaRPr lang="en-US"/>
           </a:p>
@@ -7801,7 +7801,7 @@
           <a:p>
             <a:fld id="{207AA94B-B260-453C-A0A0-1638B254BB46}" type="datetimeFigureOut">
               <a:rPr lang="en-US" smtClean="0"/>
-              <a:t>8/10/2019</a:t>
+              <a:t>8/12/2019</a:t>
             </a:fld>
             <a:endParaRPr lang="en-US"/>
           </a:p>
@@ -7974,7 +7974,7 @@
           <a:p>
             <a:fld id="{207AA94B-B260-453C-A0A0-1638B254BB46}" type="datetimeFigureOut">
               <a:rPr lang="en-US" smtClean="0"/>
-              <a:t>8/10/2019</a:t>
+              <a:t>8/12/2019</a:t>
             </a:fld>
             <a:endParaRPr lang="en-US"/>
           </a:p>
@@ -8227,7 +8227,7 @@
           <a:p>
             <a:fld id="{207AA94B-B260-453C-A0A0-1638B254BB46}" type="datetimeFigureOut">
               <a:rPr lang="en-US" smtClean="0"/>
-              <a:t>8/10/2019</a:t>
+              <a:t>8/12/2019</a:t>
             </a:fld>
             <a:endParaRPr lang="en-US"/>
           </a:p>
@@ -8462,7 +8462,7 @@
           <a:p>
             <a:fld id="{207AA94B-B260-453C-A0A0-1638B254BB46}" type="datetimeFigureOut">
               <a:rPr lang="en-US" smtClean="0"/>
-              <a:t>8/10/2019</a:t>
+              <a:t>8/12/2019</a:t>
             </a:fld>
             <a:endParaRPr lang="en-US"/>
           </a:p>
@@ -8846,7 +8846,7 @@
           <a:p>
             <a:fld id="{207AA94B-B260-453C-A0A0-1638B254BB46}" type="datetimeFigureOut">
               <a:rPr lang="en-US" smtClean="0"/>
-              <a:t>8/10/2019</a:t>
+              <a:t>8/12/2019</a:t>
             </a:fld>
             <a:endParaRPr lang="en-US"/>
           </a:p>
@@ -8967,7 +8967,7 @@
           <a:p>
             <a:fld id="{207AA94B-B260-453C-A0A0-1638B254BB46}" type="datetimeFigureOut">
               <a:rPr lang="en-US" smtClean="0"/>
-              <a:t>8/10/2019</a:t>
+              <a:t>8/12/2019</a:t>
             </a:fld>
             <a:endParaRPr lang="en-US"/>
           </a:p>
@@ -9065,7 +9065,7 @@
           <a:p>
             <a:fld id="{207AA94B-B260-453C-A0A0-1638B254BB46}" type="datetimeFigureOut">
               <a:rPr lang="en-US" smtClean="0"/>
-              <a:t>8/10/2019</a:t>
+              <a:t>8/12/2019</a:t>
             </a:fld>
             <a:endParaRPr lang="en-US"/>
           </a:p>
@@ -9317,7 +9317,7 @@
           <a:p>
             <a:fld id="{207AA94B-B260-453C-A0A0-1638B254BB46}" type="datetimeFigureOut">
               <a:rPr lang="en-US" smtClean="0"/>
-              <a:t>8/10/2019</a:t>
+              <a:t>8/12/2019</a:t>
             </a:fld>
             <a:endParaRPr lang="en-US"/>
           </a:p>
@@ -9600,7 +9600,7 @@
           <a:p>
             <a:fld id="{207AA94B-B260-453C-A0A0-1638B254BB46}" type="datetimeFigureOut">
               <a:rPr lang="en-US" smtClean="0"/>
-              <a:t>8/10/2019</a:t>
+              <a:t>8/12/2019</a:t>
             </a:fld>
             <a:endParaRPr lang="en-US"/>
           </a:p>
@@ -12670,7 +12670,7 @@
           <a:p>
             <a:fld id="{207AA94B-B260-453C-A0A0-1638B254BB46}" type="datetimeFigureOut">
               <a:rPr lang="en-US" smtClean="0"/>
-              <a:t>8/10/2019</a:t>
+              <a:t>8/12/2019</a:t>
             </a:fld>
             <a:endParaRPr lang="en-US"/>
           </a:p>
@@ -13160,40 +13160,6 @@
               <a:t>Samantha Sprecace</a:t>
             </a:r>
           </a:p>
-          <a:p>
-            <a:pPr>
-              <a:lnSpc>
-                <a:spcPct val="100000"/>
-              </a:lnSpc>
-            </a:pPr>
-            <a:r>
-              <a:rPr lang="en-US" sz="1200" dirty="0" smtClean="0"/>
-              <a:t>In collaboration with</a:t>
-            </a:r>
-          </a:p>
-          <a:p>
-            <a:pPr>
-              <a:lnSpc>
-                <a:spcPct val="100000"/>
-              </a:lnSpc>
-            </a:pPr>
-            <a:r>
-              <a:rPr lang="en-US" dirty="0" smtClean="0"/>
-              <a:t>Michael Morrison</a:t>
-            </a:r>
-          </a:p>
-          <a:p>
-            <a:pPr>
-              <a:lnSpc>
-                <a:spcPct val="100000"/>
-              </a:lnSpc>
-            </a:pPr>
-            <a:r>
-              <a:rPr lang="en-US" dirty="0" smtClean="0"/>
-              <a:t>Benjamin Volk</a:t>
-            </a:r>
-            <a:endParaRPr lang="en-US" dirty="0"/>
-          </a:p>
         </p:txBody>
       </p:sp>
       <p:pic>
@@ -13669,15 +13635,7 @@
           <a:p>
             <a:r>
               <a:rPr lang="en-US" dirty="0" smtClean="0"/>
-              <a:t>Tasks: </a:t>
-            </a:r>
-            <a:r>
-              <a:rPr lang="en-US" dirty="0" smtClean="0"/>
-              <a:t>July-August </a:t>
-            </a:r>
-            <a:r>
-              <a:rPr lang="en-US" dirty="0" smtClean="0"/>
-              <a:t>2019 		</a:t>
+              <a:t>Tasks: July-August 2019 		</a:t>
             </a:r>
             <a:r>
               <a:rPr lang="en-US" dirty="0" smtClean="0">
@@ -13730,7 +13688,6 @@
               <a:rPr lang="en-US" dirty="0" smtClean="0"/>
               <a:t>background</a:t>
             </a:r>
-            <a:endParaRPr lang="en-US" dirty="0" smtClean="0"/>
           </a:p>
           <a:p>
             <a:pPr lvl="1"/>
@@ -13912,7 +13869,7 @@
         </p:blipFill>
         <p:spPr>
           <a:xfrm>
-            <a:off x="2035706" y="1846681"/>
+            <a:off x="6629720" y="3561028"/>
             <a:ext cx="257995" cy="250407"/>
           </a:xfrm>
           <a:prstGeom prst="rect">
@@ -13948,8 +13905,476 @@
         </p:blipFill>
         <p:spPr>
           <a:xfrm>
-            <a:off x="1459917" y="1850304"/>
+            <a:off x="1141410" y="2382319"/>
             <a:ext cx="257285" cy="246784"/>
+          </a:xfrm>
+          <a:prstGeom prst="rect">
+            <a:avLst/>
+          </a:prstGeom>
+        </p:spPr>
+      </p:pic>
+      <p:pic>
+        <p:nvPicPr>
+          <p:cNvPr id="7" name="Picture 6"/>
+          <p:cNvPicPr>
+            <a:picLocks noChangeAspect="1"/>
+          </p:cNvPicPr>
+          <p:nvPr/>
+        </p:nvPicPr>
+        <p:blipFill>
+          <a:blip r:embed="rId6">
+            <a:extLst>
+              <a:ext uri="{BEBA8EAE-BF5A-486C-A8C5-ECC9F3942E4B}">
+                <a14:imgProps xmlns:a14="http://schemas.microsoft.com/office/drawing/2010/main">
+                  <a14:imgLayer r:embed="rId7">
+                    <a14:imgEffect>
+                      <a14:backgroundRemoval t="10000" b="90000" l="10000" r="90000"/>
+                    </a14:imgEffect>
+                  </a14:imgLayer>
+                </a14:imgProps>
+              </a:ext>
+            </a:extLst>
+          </a:blip>
+          <a:stretch>
+            <a:fillRect/>
+          </a:stretch>
+        </p:blipFill>
+        <p:spPr>
+          <a:xfrm>
+            <a:off x="1609546" y="2814581"/>
+            <a:ext cx="257285" cy="246784"/>
+          </a:xfrm>
+          <a:prstGeom prst="rect">
+            <a:avLst/>
+          </a:prstGeom>
+        </p:spPr>
+      </p:pic>
+      <p:pic>
+        <p:nvPicPr>
+          <p:cNvPr id="8" name="Picture 7"/>
+          <p:cNvPicPr>
+            <a:picLocks noChangeAspect="1"/>
+          </p:cNvPicPr>
+          <p:nvPr/>
+        </p:nvPicPr>
+        <p:blipFill>
+          <a:blip r:embed="rId6">
+            <a:extLst>
+              <a:ext uri="{BEBA8EAE-BF5A-486C-A8C5-ECC9F3942E4B}">
+                <a14:imgProps xmlns:a14="http://schemas.microsoft.com/office/drawing/2010/main">
+                  <a14:imgLayer r:embed="rId7">
+                    <a14:imgEffect>
+                      <a14:backgroundRemoval t="10000" b="90000" l="10000" r="90000"/>
+                    </a14:imgEffect>
+                  </a14:imgLayer>
+                </a14:imgProps>
+              </a:ext>
+            </a:extLst>
+          </a:blip>
+          <a:stretch>
+            <a:fillRect/>
+          </a:stretch>
+        </p:blipFill>
+        <p:spPr>
+          <a:xfrm>
+            <a:off x="1609545" y="3547642"/>
+            <a:ext cx="257285" cy="246784"/>
+          </a:xfrm>
+          <a:prstGeom prst="rect">
+            <a:avLst/>
+          </a:prstGeom>
+        </p:spPr>
+      </p:pic>
+      <p:pic>
+        <p:nvPicPr>
+          <p:cNvPr id="9" name="Picture 8"/>
+          <p:cNvPicPr>
+            <a:picLocks noChangeAspect="1"/>
+          </p:cNvPicPr>
+          <p:nvPr/>
+        </p:nvPicPr>
+        <p:blipFill>
+          <a:blip r:embed="rId6">
+            <a:extLst>
+              <a:ext uri="{BEBA8EAE-BF5A-486C-A8C5-ECC9F3942E4B}">
+                <a14:imgProps xmlns:a14="http://schemas.microsoft.com/office/drawing/2010/main">
+                  <a14:imgLayer r:embed="rId7">
+                    <a14:imgEffect>
+                      <a14:backgroundRemoval t="10000" b="90000" l="10000" r="90000"/>
+                    </a14:imgEffect>
+                  </a14:imgLayer>
+                </a14:imgProps>
+              </a:ext>
+            </a:extLst>
+          </a:blip>
+          <a:stretch>
+            <a:fillRect/>
+          </a:stretch>
+        </p:blipFill>
+        <p:spPr>
+          <a:xfrm>
+            <a:off x="1609545" y="3946823"/>
+            <a:ext cx="257285" cy="246784"/>
+          </a:xfrm>
+          <a:prstGeom prst="rect">
+            <a:avLst/>
+          </a:prstGeom>
+        </p:spPr>
+      </p:pic>
+      <p:pic>
+        <p:nvPicPr>
+          <p:cNvPr id="10" name="Picture 9"/>
+          <p:cNvPicPr>
+            <a:picLocks noChangeAspect="1"/>
+          </p:cNvPicPr>
+          <p:nvPr/>
+        </p:nvPicPr>
+        <p:blipFill>
+          <a:blip r:embed="rId6">
+            <a:extLst>
+              <a:ext uri="{BEBA8EAE-BF5A-486C-A8C5-ECC9F3942E4B}">
+                <a14:imgProps xmlns:a14="http://schemas.microsoft.com/office/drawing/2010/main">
+                  <a14:imgLayer r:embed="rId7">
+                    <a14:imgEffect>
+                      <a14:backgroundRemoval t="10000" b="90000" l="10000" r="90000"/>
+                    </a14:imgEffect>
+                  </a14:imgLayer>
+                </a14:imgProps>
+              </a:ext>
+            </a:extLst>
+          </a:blip>
+          <a:stretch>
+            <a:fillRect/>
+          </a:stretch>
+        </p:blipFill>
+        <p:spPr>
+          <a:xfrm>
+            <a:off x="1141409" y="4751446"/>
+            <a:ext cx="257285" cy="246784"/>
+          </a:xfrm>
+          <a:prstGeom prst="rect">
+            <a:avLst/>
+          </a:prstGeom>
+        </p:spPr>
+      </p:pic>
+      <p:pic>
+        <p:nvPicPr>
+          <p:cNvPr id="11" name="Picture 10"/>
+          <p:cNvPicPr>
+            <a:picLocks noChangeAspect="1"/>
+          </p:cNvPicPr>
+          <p:nvPr/>
+        </p:nvPicPr>
+        <p:blipFill>
+          <a:blip r:embed="rId6">
+            <a:extLst>
+              <a:ext uri="{BEBA8EAE-BF5A-486C-A8C5-ECC9F3942E4B}">
+                <a14:imgProps xmlns:a14="http://schemas.microsoft.com/office/drawing/2010/main">
+                  <a14:imgLayer r:embed="rId7">
+                    <a14:imgEffect>
+                      <a14:backgroundRemoval t="10000" b="90000" l="10000" r="90000"/>
+                    </a14:imgEffect>
+                  </a14:imgLayer>
+                </a14:imgProps>
+              </a:ext>
+            </a:extLst>
+          </a:blip>
+          <a:stretch>
+            <a:fillRect/>
+          </a:stretch>
+        </p:blipFill>
+        <p:spPr>
+          <a:xfrm>
+            <a:off x="1609544" y="5624282"/>
+            <a:ext cx="257285" cy="246784"/>
+          </a:xfrm>
+          <a:prstGeom prst="rect">
+            <a:avLst/>
+          </a:prstGeom>
+        </p:spPr>
+      </p:pic>
+      <p:pic>
+        <p:nvPicPr>
+          <p:cNvPr id="12" name="Picture 11"/>
+          <p:cNvPicPr>
+            <a:picLocks noChangeAspect="1"/>
+          </p:cNvPicPr>
+          <p:nvPr/>
+        </p:nvPicPr>
+        <p:blipFill>
+          <a:blip r:embed="rId6">
+            <a:extLst>
+              <a:ext uri="{BEBA8EAE-BF5A-486C-A8C5-ECC9F3942E4B}">
+                <a14:imgProps xmlns:a14="http://schemas.microsoft.com/office/drawing/2010/main">
+                  <a14:imgLayer r:embed="rId7">
+                    <a14:imgEffect>
+                      <a14:backgroundRemoval t="10000" b="90000" l="10000" r="90000"/>
+                    </a14:imgEffect>
+                  </a14:imgLayer>
+                </a14:imgProps>
+              </a:ext>
+            </a:extLst>
+          </a:blip>
+          <a:stretch>
+            <a:fillRect/>
+          </a:stretch>
+        </p:blipFill>
+        <p:spPr>
+          <a:xfrm>
+            <a:off x="1609543" y="6000292"/>
+            <a:ext cx="257285" cy="246784"/>
+          </a:xfrm>
+          <a:prstGeom prst="rect">
+            <a:avLst/>
+          </a:prstGeom>
+        </p:spPr>
+      </p:pic>
+      <p:pic>
+        <p:nvPicPr>
+          <p:cNvPr id="14" name="Picture 13"/>
+          <p:cNvPicPr>
+            <a:picLocks noChangeAspect="1"/>
+          </p:cNvPicPr>
+          <p:nvPr/>
+        </p:nvPicPr>
+        <p:blipFill>
+          <a:blip r:embed="rId6">
+            <a:extLst>
+              <a:ext uri="{BEBA8EAE-BF5A-486C-A8C5-ECC9F3942E4B}">
+                <a14:imgProps xmlns:a14="http://schemas.microsoft.com/office/drawing/2010/main">
+                  <a14:imgLayer r:embed="rId7">
+                    <a14:imgEffect>
+                      <a14:backgroundRemoval t="10000" b="90000" l="10000" r="90000"/>
+                    </a14:imgEffect>
+                  </a14:imgLayer>
+                </a14:imgProps>
+              </a:ext>
+            </a:extLst>
+          </a:blip>
+          <a:stretch>
+            <a:fillRect/>
+          </a:stretch>
+        </p:blipFill>
+        <p:spPr>
+          <a:xfrm>
+            <a:off x="6194012" y="5250210"/>
+            <a:ext cx="257285" cy="246784"/>
+          </a:xfrm>
+          <a:prstGeom prst="rect">
+            <a:avLst/>
+          </a:prstGeom>
+        </p:spPr>
+      </p:pic>
+      <p:pic>
+        <p:nvPicPr>
+          <p:cNvPr id="16" name="Picture 15"/>
+          <p:cNvPicPr>
+            <a:picLocks noChangeAspect="1"/>
+          </p:cNvPicPr>
+          <p:nvPr/>
+        </p:nvPicPr>
+        <p:blipFill>
+          <a:blip r:embed="rId6">
+            <a:extLst>
+              <a:ext uri="{BEBA8EAE-BF5A-486C-A8C5-ECC9F3942E4B}">
+                <a14:imgProps xmlns:a14="http://schemas.microsoft.com/office/drawing/2010/main">
+                  <a14:imgLayer r:embed="rId7">
+                    <a14:imgEffect>
+                      <a14:backgroundRemoval t="10000" b="90000" l="10000" r="90000"/>
+                    </a14:imgEffect>
+                  </a14:imgLayer>
+                </a14:imgProps>
+              </a:ext>
+            </a:extLst>
+          </a:blip>
+          <a:stretch>
+            <a:fillRect/>
+          </a:stretch>
+        </p:blipFill>
+        <p:spPr>
+          <a:xfrm>
+            <a:off x="6630434" y="5650911"/>
+            <a:ext cx="257285" cy="246784"/>
+          </a:xfrm>
+          <a:prstGeom prst="rect">
+            <a:avLst/>
+          </a:prstGeom>
+        </p:spPr>
+      </p:pic>
+      <p:pic>
+        <p:nvPicPr>
+          <p:cNvPr id="19" name="Picture 18"/>
+          <p:cNvPicPr>
+            <a:picLocks noChangeAspect="1"/>
+          </p:cNvPicPr>
+          <p:nvPr/>
+        </p:nvPicPr>
+        <p:blipFill>
+          <a:blip r:embed="rId6">
+            <a:extLst>
+              <a:ext uri="{BEBA8EAE-BF5A-486C-A8C5-ECC9F3942E4B}">
+                <a14:imgProps xmlns:a14="http://schemas.microsoft.com/office/drawing/2010/main">
+                  <a14:imgLayer r:embed="rId7">
+                    <a14:imgEffect>
+                      <a14:backgroundRemoval t="10000" b="90000" l="10000" r="90000"/>
+                    </a14:imgEffect>
+                  </a14:imgLayer>
+                </a14:imgProps>
+              </a:ext>
+            </a:extLst>
+          </a:blip>
+          <a:stretch>
+            <a:fillRect/>
+          </a:stretch>
+        </p:blipFill>
+        <p:spPr>
+          <a:xfrm>
+            <a:off x="6630430" y="4766846"/>
+            <a:ext cx="257285" cy="246784"/>
+          </a:xfrm>
+          <a:prstGeom prst="rect">
+            <a:avLst/>
+          </a:prstGeom>
+        </p:spPr>
+      </p:pic>
+      <p:pic>
+        <p:nvPicPr>
+          <p:cNvPr id="20" name="Picture 19"/>
+          <p:cNvPicPr>
+            <a:picLocks noChangeAspect="1"/>
+          </p:cNvPicPr>
+          <p:nvPr/>
+        </p:nvPicPr>
+        <p:blipFill>
+          <a:blip r:embed="rId6">
+            <a:extLst>
+              <a:ext uri="{BEBA8EAE-BF5A-486C-A8C5-ECC9F3942E4B}">
+                <a14:imgProps xmlns:a14="http://schemas.microsoft.com/office/drawing/2010/main">
+                  <a14:imgLayer r:embed="rId7">
+                    <a14:imgEffect>
+                      <a14:backgroundRemoval t="10000" b="90000" l="10000" r="90000"/>
+                    </a14:imgEffect>
+                  </a14:imgLayer>
+                </a14:imgProps>
+              </a:ext>
+            </a:extLst>
+          </a:blip>
+          <a:stretch>
+            <a:fillRect/>
+          </a:stretch>
+        </p:blipFill>
+        <p:spPr>
+          <a:xfrm>
+            <a:off x="6630431" y="4352265"/>
+            <a:ext cx="257285" cy="246784"/>
+          </a:xfrm>
+          <a:prstGeom prst="rect">
+            <a:avLst/>
+          </a:prstGeom>
+        </p:spPr>
+      </p:pic>
+      <p:pic>
+        <p:nvPicPr>
+          <p:cNvPr id="21" name="Picture 20"/>
+          <p:cNvPicPr>
+            <a:picLocks noChangeAspect="1"/>
+          </p:cNvPicPr>
+          <p:nvPr/>
+        </p:nvPicPr>
+        <p:blipFill>
+          <a:blip r:embed="rId6">
+            <a:extLst>
+              <a:ext uri="{BEBA8EAE-BF5A-486C-A8C5-ECC9F3942E4B}">
+                <a14:imgProps xmlns:a14="http://schemas.microsoft.com/office/drawing/2010/main">
+                  <a14:imgLayer r:embed="rId7">
+                    <a14:imgEffect>
+                      <a14:backgroundRemoval t="10000" b="90000" l="10000" r="90000"/>
+                    </a14:imgEffect>
+                  </a14:imgLayer>
+                </a14:imgProps>
+              </a:ext>
+            </a:extLst>
+          </a:blip>
+          <a:stretch>
+            <a:fillRect/>
+          </a:stretch>
+        </p:blipFill>
+        <p:spPr>
+          <a:xfrm>
+            <a:off x="6630432" y="3975321"/>
+            <a:ext cx="257285" cy="246784"/>
+          </a:xfrm>
+          <a:prstGeom prst="rect">
+            <a:avLst/>
+          </a:prstGeom>
+        </p:spPr>
+      </p:pic>
+      <p:pic>
+        <p:nvPicPr>
+          <p:cNvPr id="23" name="Picture 22"/>
+          <p:cNvPicPr>
+            <a:picLocks noChangeAspect="1"/>
+          </p:cNvPicPr>
+          <p:nvPr/>
+        </p:nvPicPr>
+        <p:blipFill>
+          <a:blip r:embed="rId4">
+            <a:extLst>
+              <a:ext uri="{BEBA8EAE-BF5A-486C-A8C5-ECC9F3942E4B}">
+                <a14:imgProps xmlns:a14="http://schemas.microsoft.com/office/drawing/2010/main">
+                  <a14:imgLayer r:embed="rId5">
+                    <a14:imgEffect>
+                      <a14:backgroundRemoval t="10000" b="90000" l="10000" r="90000"/>
+                    </a14:imgEffect>
+                  </a14:imgLayer>
+                </a14:imgProps>
+              </a:ext>
+            </a:extLst>
+          </a:blip>
+          <a:stretch>
+            <a:fillRect/>
+          </a:stretch>
+        </p:blipFill>
+        <p:spPr>
+          <a:xfrm>
+            <a:off x="6641273" y="2783091"/>
+            <a:ext cx="257995" cy="250407"/>
+          </a:xfrm>
+          <a:prstGeom prst="rect">
+            <a:avLst/>
+          </a:prstGeom>
+        </p:spPr>
+      </p:pic>
+      <p:pic>
+        <p:nvPicPr>
+          <p:cNvPr id="24" name="Picture 23"/>
+          <p:cNvPicPr>
+            <a:picLocks noChangeAspect="1"/>
+          </p:cNvPicPr>
+          <p:nvPr/>
+        </p:nvPicPr>
+        <p:blipFill>
+          <a:blip r:embed="rId4">
+            <a:extLst>
+              <a:ext uri="{BEBA8EAE-BF5A-486C-A8C5-ECC9F3942E4B}">
+                <a14:imgProps xmlns:a14="http://schemas.microsoft.com/office/drawing/2010/main">
+                  <a14:imgLayer r:embed="rId5">
+                    <a14:imgEffect>
+                      <a14:backgroundRemoval t="10000" b="90000" l="10000" r="90000"/>
+                    </a14:imgEffect>
+                  </a14:imgLayer>
+                </a14:imgProps>
+              </a:ext>
+            </a:extLst>
+          </a:blip>
+          <a:stretch>
+            <a:fillRect/>
+          </a:stretch>
+        </p:blipFill>
+        <p:spPr>
+          <a:xfrm>
+            <a:off x="7100099" y="3192537"/>
+            <a:ext cx="257995" cy="250407"/>
           </a:xfrm>
           <a:prstGeom prst="rect">
             <a:avLst/>

--- a/Project/Project Update Final.pptx
+++ b/Project/Project Update Final.pptx
@@ -776,7 +776,7 @@
           <a:noFill/>
           <a:extLst>
             <a:ext uri="{909E8E84-426E-40dd-AFC4-6F175D3DCCD1}">
-              <a14:hiddenFill xmlns="" xmlns:a14="http://schemas.microsoft.com/office/drawing/2010/main">
+              <a14:hiddenFill xmlns:a14="http://schemas.microsoft.com/office/drawing/2010/main" xmlns="">
                 <a:solidFill>
                   <a:srgbClr val="FFFFFF"/>
                 </a:solidFill>
@@ -835,7 +835,7 @@
             </a:ln>
             <a:extLst>
               <a:ext uri="{91240B29-F687-4f45-9708-019B960494DF}">
-                <a14:hiddenLine xmlns="" xmlns:a14="http://schemas.microsoft.com/office/drawing/2010/main" w="9525">
+                <a14:hiddenLine xmlns:a14="http://schemas.microsoft.com/office/drawing/2010/main" xmlns="" w="9525">
                   <a:solidFill>
                     <a:srgbClr val="000000"/>
                   </a:solidFill>
@@ -925,7 +925,7 @@
             </a:ln>
             <a:extLst>
               <a:ext uri="{91240B29-F687-4f45-9708-019B960494DF}">
-                <a14:hiddenLine xmlns="" xmlns:a14="http://schemas.microsoft.com/office/drawing/2010/main" w="9525">
+                <a14:hiddenLine xmlns:a14="http://schemas.microsoft.com/office/drawing/2010/main" xmlns="" w="9525">
                   <a:solidFill>
                     <a:srgbClr val="000000"/>
                   </a:solidFill>
@@ -1015,7 +1015,7 @@
             </a:ln>
             <a:extLst>
               <a:ext uri="{91240B29-F687-4f45-9708-019B960494DF}">
-                <a14:hiddenLine xmlns="" xmlns:a14="http://schemas.microsoft.com/office/drawing/2010/main" w="9525">
+                <a14:hiddenLine xmlns:a14="http://schemas.microsoft.com/office/drawing/2010/main" xmlns="" w="9525">
                   <a:solidFill>
                     <a:srgbClr val="000000"/>
                   </a:solidFill>
@@ -1049,7 +1049,7 @@
             </a:ln>
             <a:extLst>
               <a:ext uri="{91240B29-F687-4f45-9708-019B960494DF}">
-                <a14:hiddenLine xmlns="" xmlns:a14="http://schemas.microsoft.com/office/drawing/2010/main" w="9525">
+                <a14:hiddenLine xmlns:a14="http://schemas.microsoft.com/office/drawing/2010/main" xmlns="" w="9525">
                   <a:solidFill>
                     <a:srgbClr val="000000"/>
                   </a:solidFill>
@@ -1139,7 +1139,7 @@
             </a:ln>
             <a:extLst>
               <a:ext uri="{91240B29-F687-4f45-9708-019B960494DF}">
-                <a14:hiddenLine xmlns="" xmlns:a14="http://schemas.microsoft.com/office/drawing/2010/main" w="9525">
+                <a14:hiddenLine xmlns:a14="http://schemas.microsoft.com/office/drawing/2010/main" xmlns="" w="9525">
                   <a:solidFill>
                     <a:srgbClr val="000000"/>
                   </a:solidFill>
@@ -1201,7 +1201,7 @@
             </a:ln>
             <a:extLst>
               <a:ext uri="{91240B29-F687-4f45-9708-019B960494DF}">
-                <a14:hiddenLine xmlns="" xmlns:a14="http://schemas.microsoft.com/office/drawing/2010/main" w="9525">
+                <a14:hiddenLine xmlns:a14="http://schemas.microsoft.com/office/drawing/2010/main" xmlns="" w="9525">
                   <a:solidFill>
                     <a:srgbClr val="000000"/>
                   </a:solidFill>
@@ -1263,7 +1263,7 @@
             </a:ln>
             <a:extLst>
               <a:ext uri="{91240B29-F687-4f45-9708-019B960494DF}">
-                <a14:hiddenLine xmlns="" xmlns:a14="http://schemas.microsoft.com/office/drawing/2010/main" w="9525">
+                <a14:hiddenLine xmlns:a14="http://schemas.microsoft.com/office/drawing/2010/main" xmlns="" w="9525">
                   <a:solidFill>
                     <a:srgbClr val="000000"/>
                   </a:solidFill>
@@ -1353,7 +1353,7 @@
             </a:ln>
             <a:extLst>
               <a:ext uri="{91240B29-F687-4f45-9708-019B960494DF}">
-                <a14:hiddenLine xmlns="" xmlns:a14="http://schemas.microsoft.com/office/drawing/2010/main" w="9525">
+                <a14:hiddenLine xmlns:a14="http://schemas.microsoft.com/office/drawing/2010/main" xmlns="" w="9525">
                   <a:solidFill>
                     <a:srgbClr val="000000"/>
                   </a:solidFill>
@@ -1415,7 +1415,7 @@
             </a:ln>
             <a:extLst>
               <a:ext uri="{91240B29-F687-4f45-9708-019B960494DF}">
-                <a14:hiddenLine xmlns="" xmlns:a14="http://schemas.microsoft.com/office/drawing/2010/main" w="9525">
+                <a14:hiddenLine xmlns:a14="http://schemas.microsoft.com/office/drawing/2010/main" xmlns="" w="9525">
                   <a:solidFill>
                     <a:srgbClr val="000000"/>
                   </a:solidFill>
@@ -1477,7 +1477,7 @@
             </a:ln>
             <a:extLst>
               <a:ext uri="{91240B29-F687-4f45-9708-019B960494DF}">
-                <a14:hiddenLine xmlns="" xmlns:a14="http://schemas.microsoft.com/office/drawing/2010/main" w="9525">
+                <a14:hiddenLine xmlns:a14="http://schemas.microsoft.com/office/drawing/2010/main" xmlns="" w="9525">
                   <a:solidFill>
                     <a:srgbClr val="000000"/>
                   </a:solidFill>
@@ -1567,7 +1567,7 @@
             </a:ln>
             <a:extLst>
               <a:ext uri="{91240B29-F687-4f45-9708-019B960494DF}">
-                <a14:hiddenLine xmlns="" xmlns:a14="http://schemas.microsoft.com/office/drawing/2010/main" w="9525">
+                <a14:hiddenLine xmlns:a14="http://schemas.microsoft.com/office/drawing/2010/main" xmlns="" w="9525">
                   <a:solidFill>
                     <a:srgbClr val="000000"/>
                   </a:solidFill>
@@ -1657,7 +1657,7 @@
             </a:ln>
             <a:extLst>
               <a:ext uri="{91240B29-F687-4f45-9708-019B960494DF}">
-                <a14:hiddenLine xmlns="" xmlns:a14="http://schemas.microsoft.com/office/drawing/2010/main" w="9525">
+                <a14:hiddenLine xmlns:a14="http://schemas.microsoft.com/office/drawing/2010/main" xmlns="" w="9525">
                   <a:solidFill>
                     <a:srgbClr val="000000"/>
                   </a:solidFill>
@@ -1719,7 +1719,7 @@
             </a:ln>
             <a:extLst>
               <a:ext uri="{91240B29-F687-4f45-9708-019B960494DF}">
-                <a14:hiddenLine xmlns="" xmlns:a14="http://schemas.microsoft.com/office/drawing/2010/main" w="9525">
+                <a14:hiddenLine xmlns:a14="http://schemas.microsoft.com/office/drawing/2010/main" xmlns="" w="9525">
                   <a:solidFill>
                     <a:srgbClr val="000000"/>
                   </a:solidFill>
@@ -1829,7 +1829,7 @@
             </a:ln>
             <a:extLst>
               <a:ext uri="{91240B29-F687-4f45-9708-019B960494DF}">
-                <a14:hiddenLine xmlns="" xmlns:a14="http://schemas.microsoft.com/office/drawing/2010/main" w="9525">
+                <a14:hiddenLine xmlns:a14="http://schemas.microsoft.com/office/drawing/2010/main" xmlns="" w="9525">
                   <a:solidFill>
                     <a:srgbClr val="000000"/>
                   </a:solidFill>
@@ -1891,7 +1891,7 @@
             </a:ln>
             <a:extLst>
               <a:ext uri="{91240B29-F687-4f45-9708-019B960494DF}">
-                <a14:hiddenLine xmlns="" xmlns:a14="http://schemas.microsoft.com/office/drawing/2010/main" w="9525">
+                <a14:hiddenLine xmlns:a14="http://schemas.microsoft.com/office/drawing/2010/main" xmlns="" w="9525">
                   <a:solidFill>
                     <a:srgbClr val="000000"/>
                   </a:solidFill>
@@ -1981,7 +1981,7 @@
             </a:ln>
             <a:extLst>
               <a:ext uri="{91240B29-F687-4f45-9708-019B960494DF}">
-                <a14:hiddenLine xmlns="" xmlns:a14="http://schemas.microsoft.com/office/drawing/2010/main" w="9525">
+                <a14:hiddenLine xmlns:a14="http://schemas.microsoft.com/office/drawing/2010/main" xmlns="" w="9525">
                   <a:solidFill>
                     <a:srgbClr val="000000"/>
                   </a:solidFill>
@@ -2071,7 +2071,7 @@
             </a:ln>
             <a:extLst>
               <a:ext uri="{91240B29-F687-4f45-9708-019B960494DF}">
-                <a14:hiddenLine xmlns="" xmlns:a14="http://schemas.microsoft.com/office/drawing/2010/main" w="9525">
+                <a14:hiddenLine xmlns:a14="http://schemas.microsoft.com/office/drawing/2010/main" xmlns="" w="9525">
                   <a:solidFill>
                     <a:srgbClr val="000000"/>
                   </a:solidFill>
@@ -2133,7 +2133,7 @@
             </a:ln>
             <a:extLst>
               <a:ext uri="{91240B29-F687-4f45-9708-019B960494DF}">
-                <a14:hiddenLine xmlns="" xmlns:a14="http://schemas.microsoft.com/office/drawing/2010/main" w="9525">
+                <a14:hiddenLine xmlns:a14="http://schemas.microsoft.com/office/drawing/2010/main" xmlns="" w="9525">
                   <a:solidFill>
                     <a:srgbClr val="000000"/>
                   </a:solidFill>
@@ -2223,7 +2223,7 @@
             </a:ln>
             <a:extLst>
               <a:ext uri="{91240B29-F687-4f45-9708-019B960494DF}">
-                <a14:hiddenLine xmlns="" xmlns:a14="http://schemas.microsoft.com/office/drawing/2010/main" w="9525">
+                <a14:hiddenLine xmlns:a14="http://schemas.microsoft.com/office/drawing/2010/main" xmlns="" w="9525">
                   <a:solidFill>
                     <a:srgbClr val="000000"/>
                   </a:solidFill>
@@ -2313,7 +2313,7 @@
             </a:ln>
             <a:extLst>
               <a:ext uri="{91240B29-F687-4f45-9708-019B960494DF}">
-                <a14:hiddenLine xmlns="" xmlns:a14="http://schemas.microsoft.com/office/drawing/2010/main" w="9525">
+                <a14:hiddenLine xmlns:a14="http://schemas.microsoft.com/office/drawing/2010/main" xmlns="" w="9525">
                   <a:solidFill>
                     <a:srgbClr val="000000"/>
                   </a:solidFill>
@@ -2369,7 +2369,7 @@
             </a:ln>
             <a:extLst>
               <a:ext uri="{91240B29-F687-4f45-9708-019B960494DF}">
-                <a14:hiddenLine xmlns="" xmlns:a14="http://schemas.microsoft.com/office/drawing/2010/main" w="9525">
+                <a14:hiddenLine xmlns:a14="http://schemas.microsoft.com/office/drawing/2010/main" xmlns="" w="9525">
                   <a:solidFill>
                     <a:srgbClr val="000000"/>
                   </a:solidFill>
@@ -2459,7 +2459,7 @@
             </a:ln>
             <a:extLst>
               <a:ext uri="{91240B29-F687-4f45-9708-019B960494DF}">
-                <a14:hiddenLine xmlns="" xmlns:a14="http://schemas.microsoft.com/office/drawing/2010/main" w="9525">
+                <a14:hiddenLine xmlns:a14="http://schemas.microsoft.com/office/drawing/2010/main" xmlns="" w="9525">
                   <a:solidFill>
                     <a:srgbClr val="000000"/>
                   </a:solidFill>
@@ -2515,7 +2515,7 @@
             </a:ln>
             <a:extLst>
               <a:ext uri="{91240B29-F687-4f45-9708-019B960494DF}">
-                <a14:hiddenLine xmlns="" xmlns:a14="http://schemas.microsoft.com/office/drawing/2010/main" w="9525">
+                <a14:hiddenLine xmlns:a14="http://schemas.microsoft.com/office/drawing/2010/main" xmlns="" w="9525">
                   <a:solidFill>
                     <a:srgbClr val="000000"/>
                   </a:solidFill>
@@ -2605,7 +2605,7 @@
             </a:ln>
             <a:extLst>
               <a:ext uri="{91240B29-F687-4f45-9708-019B960494DF}">
-                <a14:hiddenLine xmlns="" xmlns:a14="http://schemas.microsoft.com/office/drawing/2010/main" w="9525">
+                <a14:hiddenLine xmlns:a14="http://schemas.microsoft.com/office/drawing/2010/main" xmlns="" w="9525">
                   <a:solidFill>
                     <a:srgbClr val="000000"/>
                   </a:solidFill>
@@ -2673,7 +2673,7 @@
             </a:ln>
             <a:extLst>
               <a:ext uri="{91240B29-F687-4f45-9708-019B960494DF}">
-                <a14:hiddenLine xmlns="" xmlns:a14="http://schemas.microsoft.com/office/drawing/2010/main" w="9525">
+                <a14:hiddenLine xmlns:a14="http://schemas.microsoft.com/office/drawing/2010/main" xmlns="" w="9525">
                   <a:solidFill>
                     <a:srgbClr val="000000"/>
                   </a:solidFill>
@@ -2763,7 +2763,7 @@
             </a:ln>
             <a:extLst>
               <a:ext uri="{91240B29-F687-4f45-9708-019B960494DF}">
-                <a14:hiddenLine xmlns="" xmlns:a14="http://schemas.microsoft.com/office/drawing/2010/main" w="9525">
+                <a14:hiddenLine xmlns:a14="http://schemas.microsoft.com/office/drawing/2010/main" xmlns="" w="9525">
                   <a:solidFill>
                     <a:srgbClr val="000000"/>
                   </a:solidFill>
@@ -2831,7 +2831,7 @@
             </a:ln>
             <a:extLst>
               <a:ext uri="{91240B29-F687-4f45-9708-019B960494DF}">
-                <a14:hiddenLine xmlns="" xmlns:a14="http://schemas.microsoft.com/office/drawing/2010/main" w="9525">
+                <a14:hiddenLine xmlns:a14="http://schemas.microsoft.com/office/drawing/2010/main" xmlns="" w="9525">
                   <a:solidFill>
                     <a:srgbClr val="000000"/>
                   </a:solidFill>
@@ -2921,7 +2921,7 @@
             </a:ln>
             <a:extLst>
               <a:ext uri="{91240B29-F687-4f45-9708-019B960494DF}">
-                <a14:hiddenLine xmlns="" xmlns:a14="http://schemas.microsoft.com/office/drawing/2010/main" w="9525">
+                <a14:hiddenLine xmlns:a14="http://schemas.microsoft.com/office/drawing/2010/main" xmlns="" w="9525">
                   <a:solidFill>
                     <a:srgbClr val="000000"/>
                   </a:solidFill>
@@ -2955,7 +2955,7 @@
             </a:ln>
             <a:extLst>
               <a:ext uri="{91240B29-F687-4f45-9708-019B960494DF}">
-                <a14:hiddenLine xmlns="" xmlns:a14="http://schemas.microsoft.com/office/drawing/2010/main" w="9525">
+                <a14:hiddenLine xmlns:a14="http://schemas.microsoft.com/office/drawing/2010/main" xmlns="" w="9525">
                   <a:solidFill>
                     <a:srgbClr val="000000"/>
                   </a:solidFill>
@@ -3045,7 +3045,7 @@
             </a:ln>
             <a:extLst>
               <a:ext uri="{91240B29-F687-4f45-9708-019B960494DF}">
-                <a14:hiddenLine xmlns="" xmlns:a14="http://schemas.microsoft.com/office/drawing/2010/main" w="9525">
+                <a14:hiddenLine xmlns:a14="http://schemas.microsoft.com/office/drawing/2010/main" xmlns="" w="9525">
                   <a:solidFill>
                     <a:srgbClr val="000000"/>
                   </a:solidFill>
@@ -3107,7 +3107,7 @@
             </a:ln>
             <a:extLst>
               <a:ext uri="{91240B29-F687-4f45-9708-019B960494DF}">
-                <a14:hiddenLine xmlns="" xmlns:a14="http://schemas.microsoft.com/office/drawing/2010/main" w="9525">
+                <a14:hiddenLine xmlns:a14="http://schemas.microsoft.com/office/drawing/2010/main" xmlns="" w="9525">
                   <a:solidFill>
                     <a:srgbClr val="000000"/>
                   </a:solidFill>
@@ -3169,7 +3169,7 @@
             </a:ln>
             <a:extLst>
               <a:ext uri="{91240B29-F687-4f45-9708-019B960494DF}">
-                <a14:hiddenLine xmlns="" xmlns:a14="http://schemas.microsoft.com/office/drawing/2010/main" w="9525">
+                <a14:hiddenLine xmlns:a14="http://schemas.microsoft.com/office/drawing/2010/main" xmlns="" w="9525">
                   <a:solidFill>
                     <a:srgbClr val="000000"/>
                   </a:solidFill>
@@ -3259,7 +3259,7 @@
             </a:ln>
             <a:extLst>
               <a:ext uri="{91240B29-F687-4f45-9708-019B960494DF}">
-                <a14:hiddenLine xmlns="" xmlns:a14="http://schemas.microsoft.com/office/drawing/2010/main" w="9525">
+                <a14:hiddenLine xmlns:a14="http://schemas.microsoft.com/office/drawing/2010/main" xmlns="" w="9525">
                   <a:solidFill>
                     <a:srgbClr val="000000"/>
                   </a:solidFill>
@@ -3327,7 +3327,7 @@
             </a:ln>
             <a:extLst>
               <a:ext uri="{91240B29-F687-4f45-9708-019B960494DF}">
-                <a14:hiddenLine xmlns="" xmlns:a14="http://schemas.microsoft.com/office/drawing/2010/main" w="9525">
+                <a14:hiddenLine xmlns:a14="http://schemas.microsoft.com/office/drawing/2010/main" xmlns="" w="9525">
                   <a:solidFill>
                     <a:srgbClr val="000000"/>
                   </a:solidFill>
@@ -3389,7 +3389,7 @@
             </a:ln>
             <a:extLst>
               <a:ext uri="{91240B29-F687-4f45-9708-019B960494DF}">
-                <a14:hiddenLine xmlns="" xmlns:a14="http://schemas.microsoft.com/office/drawing/2010/main" w="9525">
+                <a14:hiddenLine xmlns:a14="http://schemas.microsoft.com/office/drawing/2010/main" xmlns="" w="9525">
                   <a:solidFill>
                     <a:srgbClr val="000000"/>
                   </a:solidFill>
@@ -3479,7 +3479,7 @@
             </a:ln>
             <a:extLst>
               <a:ext uri="{91240B29-F687-4f45-9708-019B960494DF}">
-                <a14:hiddenLine xmlns="" xmlns:a14="http://schemas.microsoft.com/office/drawing/2010/main" w="9525">
+                <a14:hiddenLine xmlns:a14="http://schemas.microsoft.com/office/drawing/2010/main" xmlns="" w="9525">
                   <a:solidFill>
                     <a:srgbClr val="000000"/>
                   </a:solidFill>
@@ -3541,7 +3541,7 @@
             </a:ln>
             <a:extLst>
               <a:ext uri="{91240B29-F687-4f45-9708-019B960494DF}">
-                <a14:hiddenLine xmlns="" xmlns:a14="http://schemas.microsoft.com/office/drawing/2010/main" w="9525">
+                <a14:hiddenLine xmlns:a14="http://schemas.microsoft.com/office/drawing/2010/main" xmlns="" w="9525">
                   <a:solidFill>
                     <a:srgbClr val="000000"/>
                   </a:solidFill>
@@ -3631,7 +3631,7 @@
             </a:ln>
             <a:extLst>
               <a:ext uri="{91240B29-F687-4f45-9708-019B960494DF}">
-                <a14:hiddenLine xmlns="" xmlns:a14="http://schemas.microsoft.com/office/drawing/2010/main" w="9525">
+                <a14:hiddenLine xmlns:a14="http://schemas.microsoft.com/office/drawing/2010/main" xmlns="" w="9525">
                   <a:solidFill>
                     <a:srgbClr val="000000"/>
                   </a:solidFill>
@@ -3693,7 +3693,7 @@
             </a:ln>
             <a:extLst>
               <a:ext uri="{91240B29-F687-4f45-9708-019B960494DF}">
-                <a14:hiddenLine xmlns="" xmlns:a14="http://schemas.microsoft.com/office/drawing/2010/main" w="9525">
+                <a14:hiddenLine xmlns:a14="http://schemas.microsoft.com/office/drawing/2010/main" xmlns="" w="9525">
                   <a:solidFill>
                     <a:srgbClr val="000000"/>
                   </a:solidFill>
@@ -3783,7 +3783,7 @@
             </a:ln>
             <a:extLst>
               <a:ext uri="{91240B29-F687-4f45-9708-019B960494DF}">
-                <a14:hiddenLine xmlns="" xmlns:a14="http://schemas.microsoft.com/office/drawing/2010/main" w="9525">
+                <a14:hiddenLine xmlns:a14="http://schemas.microsoft.com/office/drawing/2010/main" xmlns="" w="9525">
                   <a:solidFill>
                     <a:srgbClr val="000000"/>
                   </a:solidFill>
@@ -3817,7 +3817,7 @@
             </a:ln>
             <a:extLst>
               <a:ext uri="{91240B29-F687-4f45-9708-019B960494DF}">
-                <a14:hiddenLine xmlns="" xmlns:a14="http://schemas.microsoft.com/office/drawing/2010/main" w="9525">
+                <a14:hiddenLine xmlns:a14="http://schemas.microsoft.com/office/drawing/2010/main" xmlns="" w="9525">
                   <a:solidFill>
                     <a:srgbClr val="000000"/>
                   </a:solidFill>
@@ -3882,7 +3882,7 @@
             </a:ln>
             <a:extLst>
               <a:ext uri="{91240B29-F687-4f45-9708-019B960494DF}">
-                <a14:hiddenLine xmlns="" xmlns:a14="http://schemas.microsoft.com/office/drawing/2010/main" w="9525">
+                <a14:hiddenLine xmlns:a14="http://schemas.microsoft.com/office/drawing/2010/main" xmlns="" w="9525">
                   <a:solidFill>
                     <a:srgbClr val="000000"/>
                   </a:solidFill>
@@ -3972,7 +3972,7 @@
             </a:ln>
             <a:extLst>
               <a:ext uri="{91240B29-F687-4f45-9708-019B960494DF}">
-                <a14:hiddenLine xmlns="" xmlns:a14="http://schemas.microsoft.com/office/drawing/2010/main" w="9525">
+                <a14:hiddenLine xmlns:a14="http://schemas.microsoft.com/office/drawing/2010/main" xmlns="" w="9525">
                   <a:solidFill>
                     <a:srgbClr val="000000"/>
                   </a:solidFill>
@@ -4034,7 +4034,7 @@
             </a:ln>
             <a:extLst>
               <a:ext uri="{91240B29-F687-4f45-9708-019B960494DF}">
-                <a14:hiddenLine xmlns="" xmlns:a14="http://schemas.microsoft.com/office/drawing/2010/main" w="9525">
+                <a14:hiddenLine xmlns:a14="http://schemas.microsoft.com/office/drawing/2010/main" xmlns="" w="9525">
                   <a:solidFill>
                     <a:srgbClr val="000000"/>
                   </a:solidFill>
@@ -4124,7 +4124,7 @@
             </a:ln>
             <a:extLst>
               <a:ext uri="{91240B29-F687-4f45-9708-019B960494DF}">
-                <a14:hiddenLine xmlns="" xmlns:a14="http://schemas.microsoft.com/office/drawing/2010/main" w="9525">
+                <a14:hiddenLine xmlns:a14="http://schemas.microsoft.com/office/drawing/2010/main" xmlns="" w="9525">
                   <a:solidFill>
                     <a:srgbClr val="000000"/>
                   </a:solidFill>
@@ -4214,7 +4214,7 @@
             </a:ln>
             <a:extLst>
               <a:ext uri="{91240B29-F687-4f45-9708-019B960494DF}">
-                <a14:hiddenLine xmlns="" xmlns:a14="http://schemas.microsoft.com/office/drawing/2010/main" w="9525">
+                <a14:hiddenLine xmlns:a14="http://schemas.microsoft.com/office/drawing/2010/main" xmlns="" w="9525">
                   <a:solidFill>
                     <a:srgbClr val="000000"/>
                   </a:solidFill>
@@ -4279,7 +4279,7 @@
             </a:ln>
             <a:extLst>
               <a:ext uri="{91240B29-F687-4f45-9708-019B960494DF}">
-                <a14:hiddenLine xmlns="" xmlns:a14="http://schemas.microsoft.com/office/drawing/2010/main" w="9525">
+                <a14:hiddenLine xmlns:a14="http://schemas.microsoft.com/office/drawing/2010/main" xmlns="" w="9525">
                   <a:solidFill>
                     <a:srgbClr val="000000"/>
                   </a:solidFill>
@@ -4341,7 +4341,7 @@
             </a:ln>
             <a:extLst>
               <a:ext uri="{91240B29-F687-4f45-9708-019B960494DF}">
-                <a14:hiddenLine xmlns="" xmlns:a14="http://schemas.microsoft.com/office/drawing/2010/main" w="9525">
+                <a14:hiddenLine xmlns:a14="http://schemas.microsoft.com/office/drawing/2010/main" xmlns="" w="9525">
                   <a:solidFill>
                     <a:srgbClr val="000000"/>
                   </a:solidFill>
@@ -4431,7 +4431,7 @@
             </a:ln>
             <a:extLst>
               <a:ext uri="{91240B29-F687-4f45-9708-019B960494DF}">
-                <a14:hiddenLine xmlns="" xmlns:a14="http://schemas.microsoft.com/office/drawing/2010/main" w="9525">
+                <a14:hiddenLine xmlns:a14="http://schemas.microsoft.com/office/drawing/2010/main" xmlns="" w="9525">
                   <a:solidFill>
                     <a:srgbClr val="000000"/>
                   </a:solidFill>
@@ -4521,7 +4521,7 @@
             </a:ln>
             <a:extLst>
               <a:ext uri="{91240B29-F687-4f45-9708-019B960494DF}">
-                <a14:hiddenLine xmlns="" xmlns:a14="http://schemas.microsoft.com/office/drawing/2010/main" w="9525">
+                <a14:hiddenLine xmlns:a14="http://schemas.microsoft.com/office/drawing/2010/main" xmlns="" w="9525">
                   <a:solidFill>
                     <a:srgbClr val="000000"/>
                   </a:solidFill>
@@ -4583,7 +4583,7 @@
             </a:ln>
             <a:extLst>
               <a:ext uri="{91240B29-F687-4f45-9708-019B960494DF}">
-                <a14:hiddenLine xmlns="" xmlns:a14="http://schemas.microsoft.com/office/drawing/2010/main" w="9525">
+                <a14:hiddenLine xmlns:a14="http://schemas.microsoft.com/office/drawing/2010/main" xmlns="" w="9525">
                   <a:solidFill>
                     <a:srgbClr val="000000"/>
                   </a:solidFill>
@@ -4703,7 +4703,7 @@
             </a:ln>
             <a:extLst>
               <a:ext uri="{91240B29-F687-4f45-9708-019B960494DF}">
-                <a14:hiddenLine xmlns="" xmlns:a14="http://schemas.microsoft.com/office/drawing/2010/main" w="9525">
+                <a14:hiddenLine xmlns:a14="http://schemas.microsoft.com/office/drawing/2010/main" xmlns="" w="9525">
                   <a:solidFill>
                     <a:srgbClr val="000000"/>
                   </a:solidFill>
@@ -4771,7 +4771,7 @@
             </a:ln>
             <a:extLst>
               <a:ext uri="{91240B29-F687-4f45-9708-019B960494DF}">
-                <a14:hiddenLine xmlns="" xmlns:a14="http://schemas.microsoft.com/office/drawing/2010/main" w="9525">
+                <a14:hiddenLine xmlns:a14="http://schemas.microsoft.com/office/drawing/2010/main" xmlns="" w="9525">
                   <a:solidFill>
                     <a:srgbClr val="000000"/>
                   </a:solidFill>
@@ -4861,7 +4861,7 @@
             </a:ln>
             <a:extLst>
               <a:ext uri="{91240B29-F687-4f45-9708-019B960494DF}">
-                <a14:hiddenLine xmlns="" xmlns:a14="http://schemas.microsoft.com/office/drawing/2010/main" w="9525">
+                <a14:hiddenLine xmlns:a14="http://schemas.microsoft.com/office/drawing/2010/main" xmlns="" w="9525">
                   <a:solidFill>
                     <a:srgbClr val="000000"/>
                   </a:solidFill>
@@ -9726,7 +9726,7 @@
           <a:noFill/>
           <a:extLst>
             <a:ext uri="{909E8E84-426E-40dd-AFC4-6F175D3DCCD1}">
-              <a14:hiddenFill xmlns="" xmlns:a14="http://schemas.microsoft.com/office/drawing/2010/main">
+              <a14:hiddenFill xmlns:a14="http://schemas.microsoft.com/office/drawing/2010/main" xmlns="">
                 <a:solidFill>
                   <a:srgbClr val="FFFFFF"/>
                 </a:solidFill>
@@ -9800,7 +9800,7 @@
               </a:ln>
               <a:extLst>
                 <a:ext uri="{91240B29-F687-4f45-9708-019B960494DF}">
-                  <a14:hiddenLine xmlns="" xmlns:a14="http://schemas.microsoft.com/office/drawing/2010/main" w="9525">
+                  <a14:hiddenLine xmlns:a14="http://schemas.microsoft.com/office/drawing/2010/main" xmlns="" w="9525">
                     <a:solidFill>
                       <a:srgbClr val="000000"/>
                     </a:solidFill>
@@ -9890,7 +9890,7 @@
               </a:ln>
               <a:extLst>
                 <a:ext uri="{91240B29-F687-4f45-9708-019B960494DF}">
-                  <a14:hiddenLine xmlns="" xmlns:a14="http://schemas.microsoft.com/office/drawing/2010/main" w="9525">
+                  <a14:hiddenLine xmlns:a14="http://schemas.microsoft.com/office/drawing/2010/main" xmlns="" w="9525">
                     <a:solidFill>
                       <a:srgbClr val="000000"/>
                     </a:solidFill>
@@ -9980,7 +9980,7 @@
               </a:ln>
               <a:extLst>
                 <a:ext uri="{91240B29-F687-4f45-9708-019B960494DF}">
-                  <a14:hiddenLine xmlns="" xmlns:a14="http://schemas.microsoft.com/office/drawing/2010/main" w="9525">
+                  <a14:hiddenLine xmlns:a14="http://schemas.microsoft.com/office/drawing/2010/main" xmlns="" w="9525">
                     <a:solidFill>
                       <a:srgbClr val="000000"/>
                     </a:solidFill>
@@ -10042,7 +10042,7 @@
               </a:ln>
               <a:extLst>
                 <a:ext uri="{91240B29-F687-4f45-9708-019B960494DF}">
-                  <a14:hiddenLine xmlns="" xmlns:a14="http://schemas.microsoft.com/office/drawing/2010/main" w="9525">
+                  <a14:hiddenLine xmlns:a14="http://schemas.microsoft.com/office/drawing/2010/main" xmlns="" w="9525">
                     <a:solidFill>
                       <a:srgbClr val="000000"/>
                     </a:solidFill>
@@ -10132,7 +10132,7 @@
               </a:ln>
               <a:extLst>
                 <a:ext uri="{91240B29-F687-4f45-9708-019B960494DF}">
-                  <a14:hiddenLine xmlns="" xmlns:a14="http://schemas.microsoft.com/office/drawing/2010/main" w="9525">
+                  <a14:hiddenLine xmlns:a14="http://schemas.microsoft.com/office/drawing/2010/main" xmlns="" w="9525">
                     <a:solidFill>
                       <a:srgbClr val="000000"/>
                     </a:solidFill>
@@ -10194,7 +10194,7 @@
               </a:ln>
               <a:extLst>
                 <a:ext uri="{91240B29-F687-4f45-9708-019B960494DF}">
-                  <a14:hiddenLine xmlns="" xmlns:a14="http://schemas.microsoft.com/office/drawing/2010/main" w="9525">
+                  <a14:hiddenLine xmlns:a14="http://schemas.microsoft.com/office/drawing/2010/main" xmlns="" w="9525">
                     <a:solidFill>
                       <a:srgbClr val="000000"/>
                     </a:solidFill>
@@ -10256,7 +10256,7 @@
               </a:ln>
               <a:extLst>
                 <a:ext uri="{91240B29-F687-4f45-9708-019B960494DF}">
-                  <a14:hiddenLine xmlns="" xmlns:a14="http://schemas.microsoft.com/office/drawing/2010/main" w="9525">
+                  <a14:hiddenLine xmlns:a14="http://schemas.microsoft.com/office/drawing/2010/main" xmlns="" w="9525">
                     <a:solidFill>
                       <a:srgbClr val="000000"/>
                     </a:solidFill>
@@ -10346,7 +10346,7 @@
               </a:ln>
               <a:extLst>
                 <a:ext uri="{91240B29-F687-4f45-9708-019B960494DF}">
-                  <a14:hiddenLine xmlns="" xmlns:a14="http://schemas.microsoft.com/office/drawing/2010/main" w="9525">
+                  <a14:hiddenLine xmlns:a14="http://schemas.microsoft.com/office/drawing/2010/main" xmlns="" w="9525">
                     <a:solidFill>
                       <a:srgbClr val="000000"/>
                     </a:solidFill>
@@ -10436,7 +10436,7 @@
               </a:ln>
               <a:extLst>
                 <a:ext uri="{91240B29-F687-4f45-9708-019B960494DF}">
-                  <a14:hiddenLine xmlns="" xmlns:a14="http://schemas.microsoft.com/office/drawing/2010/main" w="9525">
+                  <a14:hiddenLine xmlns:a14="http://schemas.microsoft.com/office/drawing/2010/main" xmlns="" w="9525">
                     <a:solidFill>
                       <a:srgbClr val="000000"/>
                     </a:solidFill>
@@ -10498,7 +10498,7 @@
               </a:ln>
               <a:extLst>
                 <a:ext uri="{91240B29-F687-4f45-9708-019B960494DF}">
-                  <a14:hiddenLine xmlns="" xmlns:a14="http://schemas.microsoft.com/office/drawing/2010/main" w="9525">
+                  <a14:hiddenLine xmlns:a14="http://schemas.microsoft.com/office/drawing/2010/main" xmlns="" w="9525">
                     <a:solidFill>
                       <a:srgbClr val="000000"/>
                     </a:solidFill>
@@ -10608,7 +10608,7 @@
               </a:ln>
               <a:extLst>
                 <a:ext uri="{91240B29-F687-4f45-9708-019B960494DF}">
-                  <a14:hiddenLine xmlns="" xmlns:a14="http://schemas.microsoft.com/office/drawing/2010/main" w="9525">
+                  <a14:hiddenLine xmlns:a14="http://schemas.microsoft.com/office/drawing/2010/main" xmlns="" w="9525">
                     <a:solidFill>
                       <a:srgbClr val="000000"/>
                     </a:solidFill>
@@ -10692,7 +10692,7 @@
               </a:ln>
               <a:extLst>
                 <a:ext uri="{91240B29-F687-4f45-9708-019B960494DF}">
-                  <a14:hiddenLine xmlns="" xmlns:a14="http://schemas.microsoft.com/office/drawing/2010/main" w="9525">
+                  <a14:hiddenLine xmlns:a14="http://schemas.microsoft.com/office/drawing/2010/main" xmlns="" w="9525">
                     <a:solidFill>
                       <a:srgbClr val="000000"/>
                     </a:solidFill>
@@ -10754,7 +10754,7 @@
               </a:ln>
               <a:extLst>
                 <a:ext uri="{91240B29-F687-4f45-9708-019B960494DF}">
-                  <a14:hiddenLine xmlns="" xmlns:a14="http://schemas.microsoft.com/office/drawing/2010/main" w="9525">
+                  <a14:hiddenLine xmlns:a14="http://schemas.microsoft.com/office/drawing/2010/main" xmlns="" w="9525">
                     <a:solidFill>
                       <a:srgbClr val="000000"/>
                     </a:solidFill>
@@ -10816,7 +10816,7 @@
               </a:ln>
               <a:extLst>
                 <a:ext uri="{91240B29-F687-4f45-9708-019B960494DF}">
-                  <a14:hiddenLine xmlns="" xmlns:a14="http://schemas.microsoft.com/office/drawing/2010/main" w="9525">
+                  <a14:hiddenLine xmlns:a14="http://schemas.microsoft.com/office/drawing/2010/main" xmlns="" w="9525">
                     <a:solidFill>
                       <a:srgbClr val="000000"/>
                     </a:solidFill>
@@ -10906,7 +10906,7 @@
               </a:ln>
               <a:extLst>
                 <a:ext uri="{91240B29-F687-4f45-9708-019B960494DF}">
-                  <a14:hiddenLine xmlns="" xmlns:a14="http://schemas.microsoft.com/office/drawing/2010/main" w="9525">
+                  <a14:hiddenLine xmlns:a14="http://schemas.microsoft.com/office/drawing/2010/main" xmlns="" w="9525">
                     <a:solidFill>
                       <a:srgbClr val="000000"/>
                     </a:solidFill>
@@ -10940,7 +10940,7 @@
               </a:ln>
               <a:extLst>
                 <a:ext uri="{91240B29-F687-4f45-9708-019B960494DF}">
-                  <a14:hiddenLine xmlns="" xmlns:a14="http://schemas.microsoft.com/office/drawing/2010/main" w="9525">
+                  <a14:hiddenLine xmlns:a14="http://schemas.microsoft.com/office/drawing/2010/main" xmlns="" w="9525">
                     <a:solidFill>
                       <a:srgbClr val="000000"/>
                     </a:solidFill>
@@ -11005,7 +11005,7 @@
               </a:ln>
               <a:extLst>
                 <a:ext uri="{91240B29-F687-4f45-9708-019B960494DF}">
-                  <a14:hiddenLine xmlns="" xmlns:a14="http://schemas.microsoft.com/office/drawing/2010/main" w="9525">
+                  <a14:hiddenLine xmlns:a14="http://schemas.microsoft.com/office/drawing/2010/main" xmlns="" w="9525">
                     <a:solidFill>
                       <a:srgbClr val="000000"/>
                     </a:solidFill>
@@ -11095,7 +11095,7 @@
               </a:ln>
               <a:extLst>
                 <a:ext uri="{91240B29-F687-4f45-9708-019B960494DF}">
-                  <a14:hiddenLine xmlns="" xmlns:a14="http://schemas.microsoft.com/office/drawing/2010/main" w="9525">
+                  <a14:hiddenLine xmlns:a14="http://schemas.microsoft.com/office/drawing/2010/main" xmlns="" w="9525">
                     <a:solidFill>
                       <a:srgbClr val="000000"/>
                     </a:solidFill>
@@ -11157,7 +11157,7 @@
               </a:ln>
               <a:extLst>
                 <a:ext uri="{91240B29-F687-4f45-9708-019B960494DF}">
-                  <a14:hiddenLine xmlns="" xmlns:a14="http://schemas.microsoft.com/office/drawing/2010/main" w="9525">
+                  <a14:hiddenLine xmlns:a14="http://schemas.microsoft.com/office/drawing/2010/main" xmlns="" w="9525">
                     <a:solidFill>
                       <a:srgbClr val="000000"/>
                     </a:solidFill>
@@ -11247,7 +11247,7 @@
               </a:ln>
               <a:extLst>
                 <a:ext uri="{91240B29-F687-4f45-9708-019B960494DF}">
-                  <a14:hiddenLine xmlns="" xmlns:a14="http://schemas.microsoft.com/office/drawing/2010/main" w="9525">
+                  <a14:hiddenLine xmlns:a14="http://schemas.microsoft.com/office/drawing/2010/main" xmlns="" w="9525">
                     <a:solidFill>
                       <a:srgbClr val="000000"/>
                     </a:solidFill>
@@ -11312,7 +11312,7 @@
               </a:ln>
               <a:extLst>
                 <a:ext uri="{91240B29-F687-4f45-9708-019B960494DF}">
-                  <a14:hiddenLine xmlns="" xmlns:a14="http://schemas.microsoft.com/office/drawing/2010/main" w="9525">
+                  <a14:hiddenLine xmlns:a14="http://schemas.microsoft.com/office/drawing/2010/main" xmlns="" w="9525">
                     <a:solidFill>
                       <a:srgbClr val="000000"/>
                     </a:solidFill>
@@ -11374,7 +11374,7 @@
               </a:ln>
               <a:extLst>
                 <a:ext uri="{91240B29-F687-4f45-9708-019B960494DF}">
-                  <a14:hiddenLine xmlns="" xmlns:a14="http://schemas.microsoft.com/office/drawing/2010/main" w="9525">
+                  <a14:hiddenLine xmlns:a14="http://schemas.microsoft.com/office/drawing/2010/main" xmlns="" w="9525">
                     <a:solidFill>
                       <a:srgbClr val="000000"/>
                     </a:solidFill>
@@ -11464,7 +11464,7 @@
               </a:ln>
               <a:extLst>
                 <a:ext uri="{91240B29-F687-4f45-9708-019B960494DF}">
-                  <a14:hiddenLine xmlns="" xmlns:a14="http://schemas.microsoft.com/office/drawing/2010/main" w="9525">
+                  <a14:hiddenLine xmlns:a14="http://schemas.microsoft.com/office/drawing/2010/main" xmlns="" w="9525">
                     <a:solidFill>
                       <a:srgbClr val="000000"/>
                     </a:solidFill>
@@ -11554,7 +11554,7 @@
               </a:ln>
               <a:extLst>
                 <a:ext uri="{91240B29-F687-4f45-9708-019B960494DF}">
-                  <a14:hiddenLine xmlns="" xmlns:a14="http://schemas.microsoft.com/office/drawing/2010/main" w="9525">
+                  <a14:hiddenLine xmlns:a14="http://schemas.microsoft.com/office/drawing/2010/main" xmlns="" w="9525">
                     <a:solidFill>
                       <a:srgbClr val="000000"/>
                     </a:solidFill>
@@ -11619,7 +11619,7 @@
               </a:ln>
               <a:extLst>
                 <a:ext uri="{91240B29-F687-4f45-9708-019B960494DF}">
-                  <a14:hiddenLine xmlns="" xmlns:a14="http://schemas.microsoft.com/office/drawing/2010/main" w="9525">
+                  <a14:hiddenLine xmlns:a14="http://schemas.microsoft.com/office/drawing/2010/main" xmlns="" w="9525">
                     <a:solidFill>
                       <a:srgbClr val="000000"/>
                     </a:solidFill>
@@ -11739,7 +11739,7 @@
               </a:ln>
               <a:extLst>
                 <a:ext uri="{91240B29-F687-4f45-9708-019B960494DF}">
-                  <a14:hiddenLine xmlns="" xmlns:a14="http://schemas.microsoft.com/office/drawing/2010/main" w="9525">
+                  <a14:hiddenLine xmlns:a14="http://schemas.microsoft.com/office/drawing/2010/main" xmlns="" w="9525">
                     <a:solidFill>
                       <a:srgbClr val="000000"/>
                     </a:solidFill>
@@ -11820,7 +11820,7 @@
               </a:ln>
               <a:extLst>
                 <a:ext uri="{91240B29-F687-4f45-9708-019B960494DF}">
-                  <a14:hiddenLine xmlns="" xmlns:a14="http://schemas.microsoft.com/office/drawing/2010/main" w="9525">
+                  <a14:hiddenLine xmlns:a14="http://schemas.microsoft.com/office/drawing/2010/main" xmlns="" w="9525">
                     <a:solidFill>
                       <a:srgbClr val="000000"/>
                     </a:solidFill>
@@ -11935,7 +11935,7 @@
               </a:ln>
               <a:extLst>
                 <a:ext uri="{91240B29-F687-4f45-9708-019B960494DF}">
-                  <a14:hiddenLine xmlns="" xmlns:a14="http://schemas.microsoft.com/office/drawing/2010/main" w="9525">
+                  <a14:hiddenLine xmlns:a14="http://schemas.microsoft.com/office/drawing/2010/main" xmlns="" w="9525">
                     <a:solidFill>
                       <a:srgbClr val="000000"/>
                     </a:solidFill>
@@ -12025,7 +12025,7 @@
               </a:ln>
               <a:extLst>
                 <a:ext uri="{91240B29-F687-4f45-9708-019B960494DF}">
-                  <a14:hiddenLine xmlns="" xmlns:a14="http://schemas.microsoft.com/office/drawing/2010/main" w="9525">
+                  <a14:hiddenLine xmlns:a14="http://schemas.microsoft.com/office/drawing/2010/main" xmlns="" w="9525">
                     <a:solidFill>
                       <a:srgbClr val="000000"/>
                     </a:solidFill>
@@ -12090,7 +12090,7 @@
               </a:ln>
               <a:extLst>
                 <a:ext uri="{91240B29-F687-4f45-9708-019B960494DF}">
-                  <a14:hiddenLine xmlns="" xmlns:a14="http://schemas.microsoft.com/office/drawing/2010/main" w="9525">
+                  <a14:hiddenLine xmlns:a14="http://schemas.microsoft.com/office/drawing/2010/main" xmlns="" w="9525">
                     <a:solidFill>
                       <a:srgbClr val="000000"/>
                     </a:solidFill>
@@ -12180,7 +12180,7 @@
               </a:ln>
               <a:extLst>
                 <a:ext uri="{91240B29-F687-4f45-9708-019B960494DF}">
-                  <a14:hiddenLine xmlns="" xmlns:a14="http://schemas.microsoft.com/office/drawing/2010/main" w="9525">
+                  <a14:hiddenLine xmlns:a14="http://schemas.microsoft.com/office/drawing/2010/main" xmlns="" w="9525">
                     <a:solidFill>
                       <a:srgbClr val="000000"/>
                     </a:solidFill>
@@ -12248,7 +12248,7 @@
               </a:ln>
               <a:extLst>
                 <a:ext uri="{91240B29-F687-4f45-9708-019B960494DF}">
-                  <a14:hiddenLine xmlns="" xmlns:a14="http://schemas.microsoft.com/office/drawing/2010/main" w="9525">
+                  <a14:hiddenLine xmlns:a14="http://schemas.microsoft.com/office/drawing/2010/main" xmlns="" w="9525">
                     <a:solidFill>
                       <a:srgbClr val="000000"/>
                     </a:solidFill>
@@ -12338,7 +12338,7 @@
               </a:ln>
               <a:extLst>
                 <a:ext uri="{91240B29-F687-4f45-9708-019B960494DF}">
-                  <a14:hiddenLine xmlns="" xmlns:a14="http://schemas.microsoft.com/office/drawing/2010/main" w="9525">
+                  <a14:hiddenLine xmlns:a14="http://schemas.microsoft.com/office/drawing/2010/main" xmlns="" w="9525">
                     <a:solidFill>
                       <a:srgbClr val="000000"/>
                     </a:solidFill>
@@ -12406,7 +12406,7 @@
               </a:ln>
               <a:extLst>
                 <a:ext uri="{91240B29-F687-4f45-9708-019B960494DF}">
-                  <a14:hiddenLine xmlns="" xmlns:a14="http://schemas.microsoft.com/office/drawing/2010/main" w="9525">
+                  <a14:hiddenLine xmlns:a14="http://schemas.microsoft.com/office/drawing/2010/main" xmlns="" w="9525">
                     <a:solidFill>
                       <a:srgbClr val="000000"/>
                     </a:solidFill>
@@ -12496,7 +12496,7 @@
               </a:ln>
               <a:extLst>
                 <a:ext uri="{91240B29-F687-4f45-9708-019B960494DF}">
-                  <a14:hiddenLine xmlns="" xmlns:a14="http://schemas.microsoft.com/office/drawing/2010/main" w="9525">
+                  <a14:hiddenLine xmlns:a14="http://schemas.microsoft.com/office/drawing/2010/main" xmlns="" w="9525">
                     <a:solidFill>
                       <a:srgbClr val="000000"/>
                     </a:solidFill>
@@ -12530,7 +12530,7 @@
               </a:ln>
               <a:extLst>
                 <a:ext uri="{91240B29-F687-4f45-9708-019B960494DF}">
-                  <a14:hiddenLine xmlns="" xmlns:a14="http://schemas.microsoft.com/office/drawing/2010/main" w="9525">
+                  <a14:hiddenLine xmlns:a14="http://schemas.microsoft.com/office/drawing/2010/main" xmlns="" w="9525">
                     <a:solidFill>
                       <a:srgbClr val="000000"/>
                     </a:solidFill>
@@ -13157,8 +13157,53 @@
             </a:pPr>
             <a:r>
               <a:rPr lang="en-US" dirty="0" smtClean="0"/>
-              <a:t>Samantha Sprecace</a:t>
+              <a:t>Samantha </a:t>
             </a:r>
+            <a:r>
+              <a:rPr lang="en-US" dirty="0" smtClean="0"/>
+              <a:t>Sprecace</a:t>
+            </a:r>
+          </a:p>
+          <a:p>
+            <a:pPr>
+              <a:lnSpc>
+                <a:spcPct val="100000"/>
+              </a:lnSpc>
+            </a:pPr>
+            <a:r>
+              <a:rPr lang="en-US" sz="1200" dirty="0"/>
+              <a:t>In collaboration with</a:t>
+            </a:r>
+          </a:p>
+          <a:p>
+            <a:pPr>
+              <a:lnSpc>
+                <a:spcPct val="100000"/>
+              </a:lnSpc>
+            </a:pPr>
+            <a:r>
+              <a:rPr lang="en-US" dirty="0"/>
+              <a:t>Michael Morrison</a:t>
+            </a:r>
+          </a:p>
+          <a:p>
+            <a:pPr>
+              <a:lnSpc>
+                <a:spcPct val="100000"/>
+              </a:lnSpc>
+            </a:pPr>
+            <a:r>
+              <a:rPr lang="en-US" dirty="0"/>
+              <a:t>Benjamin Volk</a:t>
+            </a:r>
+          </a:p>
+          <a:p>
+            <a:pPr>
+              <a:lnSpc>
+                <a:spcPct val="100000"/>
+              </a:lnSpc>
+            </a:pPr>
+            <a:endParaRPr lang="en-US" dirty="0" smtClean="0"/>
           </a:p>
         </p:txBody>
       </p:sp>
@@ -13524,19 +13569,12 @@
           </a:p>
           <a:p>
             <a:r>
-              <a:rPr lang="en-US" dirty="0" smtClean="0"/>
-              <a:t>No </a:t>
-            </a:r>
-            <a:r>
               <a:rPr lang="en-US" dirty="0" smtClean="0">
                 <a:hlinkClick r:id="rId5"/>
               </a:rPr>
-              <a:t>license</a:t>
+              <a:t>BSD-3 License</a:t>
             </a:r>
-            <a:r>
-              <a:rPr lang="en-US" dirty="0" smtClean="0"/>
-              <a:t> for the project itself</a:t>
-            </a:r>
+            <a:endParaRPr lang="en-US" dirty="0" smtClean="0"/>
           </a:p>
           <a:p>
             <a:pPr lvl="1"/>
@@ -13555,24 +13593,34 @@
           <a:p>
             <a:r>
               <a:rPr lang="en-US" dirty="0" smtClean="0"/>
-              <a:t>No Issue Tracker for current fork of project</a:t>
+              <a:t>No Issue Tracker for current fork of </a:t>
+            </a:r>
+            <a:r>
+              <a:rPr lang="en-US" dirty="0" smtClean="0"/>
+              <a:t>project</a:t>
             </a:r>
           </a:p>
           <a:p>
             <a:pPr lvl="1"/>
             <a:r>
               <a:rPr lang="en-US" dirty="0" smtClean="0"/>
-              <a:t>Original </a:t>
+              <a:t>Pro User feature</a:t>
+            </a:r>
+            <a:endParaRPr lang="en-US" dirty="0" smtClean="0"/>
+          </a:p>
+          <a:p>
+            <a:pPr lvl="1"/>
+            <a:r>
+              <a:rPr lang="en-US" dirty="0" smtClean="0"/>
+              <a:t>Looking to switch to </a:t>
             </a:r>
             <a:r>
-              <a:rPr lang="en-US" dirty="0" smtClean="0">
-                <a:hlinkClick r:id="rId7"/>
-              </a:rPr>
-              <a:t>repository</a:t>
+              <a:rPr lang="en-US" smtClean="0"/>
+              <a:t>Ope</a:t>
             </a:r>
             <a:r>
-              <a:rPr lang="en-US" dirty="0" smtClean="0"/>
-              <a:t> is not updated</a:t>
+              <a:rPr lang="en-US" smtClean="0"/>
+              <a:t>n Project</a:t>
             </a:r>
             <a:endParaRPr lang="en-US" dirty="0"/>
           </a:p>

--- a/Project/Project Update Final.pptx
+++ b/Project/Project Update Final.pptx
@@ -776,7 +776,7 @@
           <a:noFill/>
           <a:extLst>
             <a:ext uri="{909E8E84-426E-40dd-AFC4-6F175D3DCCD1}">
-              <a14:hiddenFill xmlns:a14="http://schemas.microsoft.com/office/drawing/2010/main" xmlns="">
+              <a14:hiddenFill xmlns="" xmlns:a14="http://schemas.microsoft.com/office/drawing/2010/main">
                 <a:solidFill>
                   <a:srgbClr val="FFFFFF"/>
                 </a:solidFill>
@@ -835,7 +835,7 @@
             </a:ln>
             <a:extLst>
               <a:ext uri="{91240B29-F687-4f45-9708-019B960494DF}">
-                <a14:hiddenLine xmlns:a14="http://schemas.microsoft.com/office/drawing/2010/main" xmlns="" w="9525">
+                <a14:hiddenLine xmlns="" xmlns:a14="http://schemas.microsoft.com/office/drawing/2010/main" w="9525">
                   <a:solidFill>
                     <a:srgbClr val="000000"/>
                   </a:solidFill>
@@ -925,7 +925,7 @@
             </a:ln>
             <a:extLst>
               <a:ext uri="{91240B29-F687-4f45-9708-019B960494DF}">
-                <a14:hiddenLine xmlns:a14="http://schemas.microsoft.com/office/drawing/2010/main" xmlns="" w="9525">
+                <a14:hiddenLine xmlns="" xmlns:a14="http://schemas.microsoft.com/office/drawing/2010/main" w="9525">
                   <a:solidFill>
                     <a:srgbClr val="000000"/>
                   </a:solidFill>
@@ -1015,7 +1015,7 @@
             </a:ln>
             <a:extLst>
               <a:ext uri="{91240B29-F687-4f45-9708-019B960494DF}">
-                <a14:hiddenLine xmlns:a14="http://schemas.microsoft.com/office/drawing/2010/main" xmlns="" w="9525">
+                <a14:hiddenLine xmlns="" xmlns:a14="http://schemas.microsoft.com/office/drawing/2010/main" w="9525">
                   <a:solidFill>
                     <a:srgbClr val="000000"/>
                   </a:solidFill>
@@ -1049,7 +1049,7 @@
             </a:ln>
             <a:extLst>
               <a:ext uri="{91240B29-F687-4f45-9708-019B960494DF}">
-                <a14:hiddenLine xmlns:a14="http://schemas.microsoft.com/office/drawing/2010/main" xmlns="" w="9525">
+                <a14:hiddenLine xmlns="" xmlns:a14="http://schemas.microsoft.com/office/drawing/2010/main" w="9525">
                   <a:solidFill>
                     <a:srgbClr val="000000"/>
                   </a:solidFill>
@@ -1139,7 +1139,7 @@
             </a:ln>
             <a:extLst>
               <a:ext uri="{91240B29-F687-4f45-9708-019B960494DF}">
-                <a14:hiddenLine xmlns:a14="http://schemas.microsoft.com/office/drawing/2010/main" xmlns="" w="9525">
+                <a14:hiddenLine xmlns="" xmlns:a14="http://schemas.microsoft.com/office/drawing/2010/main" w="9525">
                   <a:solidFill>
                     <a:srgbClr val="000000"/>
                   </a:solidFill>
@@ -1201,7 +1201,7 @@
             </a:ln>
             <a:extLst>
               <a:ext uri="{91240B29-F687-4f45-9708-019B960494DF}">
-                <a14:hiddenLine xmlns:a14="http://schemas.microsoft.com/office/drawing/2010/main" xmlns="" w="9525">
+                <a14:hiddenLine xmlns="" xmlns:a14="http://schemas.microsoft.com/office/drawing/2010/main" w="9525">
                   <a:solidFill>
                     <a:srgbClr val="000000"/>
                   </a:solidFill>
@@ -1263,7 +1263,7 @@
             </a:ln>
             <a:extLst>
               <a:ext uri="{91240B29-F687-4f45-9708-019B960494DF}">
-                <a14:hiddenLine xmlns:a14="http://schemas.microsoft.com/office/drawing/2010/main" xmlns="" w="9525">
+                <a14:hiddenLine xmlns="" xmlns:a14="http://schemas.microsoft.com/office/drawing/2010/main" w="9525">
                   <a:solidFill>
                     <a:srgbClr val="000000"/>
                   </a:solidFill>
@@ -1353,7 +1353,7 @@
             </a:ln>
             <a:extLst>
               <a:ext uri="{91240B29-F687-4f45-9708-019B960494DF}">
-                <a14:hiddenLine xmlns:a14="http://schemas.microsoft.com/office/drawing/2010/main" xmlns="" w="9525">
+                <a14:hiddenLine xmlns="" xmlns:a14="http://schemas.microsoft.com/office/drawing/2010/main" w="9525">
                   <a:solidFill>
                     <a:srgbClr val="000000"/>
                   </a:solidFill>
@@ -1415,7 +1415,7 @@
             </a:ln>
             <a:extLst>
               <a:ext uri="{91240B29-F687-4f45-9708-019B960494DF}">
-                <a14:hiddenLine xmlns:a14="http://schemas.microsoft.com/office/drawing/2010/main" xmlns="" w="9525">
+                <a14:hiddenLine xmlns="" xmlns:a14="http://schemas.microsoft.com/office/drawing/2010/main" w="9525">
                   <a:solidFill>
                     <a:srgbClr val="000000"/>
                   </a:solidFill>
@@ -1477,7 +1477,7 @@
             </a:ln>
             <a:extLst>
               <a:ext uri="{91240B29-F687-4f45-9708-019B960494DF}">
-                <a14:hiddenLine xmlns:a14="http://schemas.microsoft.com/office/drawing/2010/main" xmlns="" w="9525">
+                <a14:hiddenLine xmlns="" xmlns:a14="http://schemas.microsoft.com/office/drawing/2010/main" w="9525">
                   <a:solidFill>
                     <a:srgbClr val="000000"/>
                   </a:solidFill>
@@ -1567,7 +1567,7 @@
             </a:ln>
             <a:extLst>
               <a:ext uri="{91240B29-F687-4f45-9708-019B960494DF}">
-                <a14:hiddenLine xmlns:a14="http://schemas.microsoft.com/office/drawing/2010/main" xmlns="" w="9525">
+                <a14:hiddenLine xmlns="" xmlns:a14="http://schemas.microsoft.com/office/drawing/2010/main" w="9525">
                   <a:solidFill>
                     <a:srgbClr val="000000"/>
                   </a:solidFill>
@@ -1657,7 +1657,7 @@
             </a:ln>
             <a:extLst>
               <a:ext uri="{91240B29-F687-4f45-9708-019B960494DF}">
-                <a14:hiddenLine xmlns:a14="http://schemas.microsoft.com/office/drawing/2010/main" xmlns="" w="9525">
+                <a14:hiddenLine xmlns="" xmlns:a14="http://schemas.microsoft.com/office/drawing/2010/main" w="9525">
                   <a:solidFill>
                     <a:srgbClr val="000000"/>
                   </a:solidFill>
@@ -1719,7 +1719,7 @@
             </a:ln>
             <a:extLst>
               <a:ext uri="{91240B29-F687-4f45-9708-019B960494DF}">
-                <a14:hiddenLine xmlns:a14="http://schemas.microsoft.com/office/drawing/2010/main" xmlns="" w="9525">
+                <a14:hiddenLine xmlns="" xmlns:a14="http://schemas.microsoft.com/office/drawing/2010/main" w="9525">
                   <a:solidFill>
                     <a:srgbClr val="000000"/>
                   </a:solidFill>
@@ -1829,7 +1829,7 @@
             </a:ln>
             <a:extLst>
               <a:ext uri="{91240B29-F687-4f45-9708-019B960494DF}">
-                <a14:hiddenLine xmlns:a14="http://schemas.microsoft.com/office/drawing/2010/main" xmlns="" w="9525">
+                <a14:hiddenLine xmlns="" xmlns:a14="http://schemas.microsoft.com/office/drawing/2010/main" w="9525">
                   <a:solidFill>
                     <a:srgbClr val="000000"/>
                   </a:solidFill>
@@ -1891,7 +1891,7 @@
             </a:ln>
             <a:extLst>
               <a:ext uri="{91240B29-F687-4f45-9708-019B960494DF}">
-                <a14:hiddenLine xmlns:a14="http://schemas.microsoft.com/office/drawing/2010/main" xmlns="" w="9525">
+                <a14:hiddenLine xmlns="" xmlns:a14="http://schemas.microsoft.com/office/drawing/2010/main" w="9525">
                   <a:solidFill>
                     <a:srgbClr val="000000"/>
                   </a:solidFill>
@@ -1981,7 +1981,7 @@
             </a:ln>
             <a:extLst>
               <a:ext uri="{91240B29-F687-4f45-9708-019B960494DF}">
-                <a14:hiddenLine xmlns:a14="http://schemas.microsoft.com/office/drawing/2010/main" xmlns="" w="9525">
+                <a14:hiddenLine xmlns="" xmlns:a14="http://schemas.microsoft.com/office/drawing/2010/main" w="9525">
                   <a:solidFill>
                     <a:srgbClr val="000000"/>
                   </a:solidFill>
@@ -2071,7 +2071,7 @@
             </a:ln>
             <a:extLst>
               <a:ext uri="{91240B29-F687-4f45-9708-019B960494DF}">
-                <a14:hiddenLine xmlns:a14="http://schemas.microsoft.com/office/drawing/2010/main" xmlns="" w="9525">
+                <a14:hiddenLine xmlns="" xmlns:a14="http://schemas.microsoft.com/office/drawing/2010/main" w="9525">
                   <a:solidFill>
                     <a:srgbClr val="000000"/>
                   </a:solidFill>
@@ -2133,7 +2133,7 @@
             </a:ln>
             <a:extLst>
               <a:ext uri="{91240B29-F687-4f45-9708-019B960494DF}">
-                <a14:hiddenLine xmlns:a14="http://schemas.microsoft.com/office/drawing/2010/main" xmlns="" w="9525">
+                <a14:hiddenLine xmlns="" xmlns:a14="http://schemas.microsoft.com/office/drawing/2010/main" w="9525">
                   <a:solidFill>
                     <a:srgbClr val="000000"/>
                   </a:solidFill>
@@ -2223,7 +2223,7 @@
             </a:ln>
             <a:extLst>
               <a:ext uri="{91240B29-F687-4f45-9708-019B960494DF}">
-                <a14:hiddenLine xmlns:a14="http://schemas.microsoft.com/office/drawing/2010/main" xmlns="" w="9525">
+                <a14:hiddenLine xmlns="" xmlns:a14="http://schemas.microsoft.com/office/drawing/2010/main" w="9525">
                   <a:solidFill>
                     <a:srgbClr val="000000"/>
                   </a:solidFill>
@@ -2313,7 +2313,7 @@
             </a:ln>
             <a:extLst>
               <a:ext uri="{91240B29-F687-4f45-9708-019B960494DF}">
-                <a14:hiddenLine xmlns:a14="http://schemas.microsoft.com/office/drawing/2010/main" xmlns="" w="9525">
+                <a14:hiddenLine xmlns="" xmlns:a14="http://schemas.microsoft.com/office/drawing/2010/main" w="9525">
                   <a:solidFill>
                     <a:srgbClr val="000000"/>
                   </a:solidFill>
@@ -2369,7 +2369,7 @@
             </a:ln>
             <a:extLst>
               <a:ext uri="{91240B29-F687-4f45-9708-019B960494DF}">
-                <a14:hiddenLine xmlns:a14="http://schemas.microsoft.com/office/drawing/2010/main" xmlns="" w="9525">
+                <a14:hiddenLine xmlns="" xmlns:a14="http://schemas.microsoft.com/office/drawing/2010/main" w="9525">
                   <a:solidFill>
                     <a:srgbClr val="000000"/>
                   </a:solidFill>
@@ -2459,7 +2459,7 @@
             </a:ln>
             <a:extLst>
               <a:ext uri="{91240B29-F687-4f45-9708-019B960494DF}">
-                <a14:hiddenLine xmlns:a14="http://schemas.microsoft.com/office/drawing/2010/main" xmlns="" w="9525">
+                <a14:hiddenLine xmlns="" xmlns:a14="http://schemas.microsoft.com/office/drawing/2010/main" w="9525">
                   <a:solidFill>
                     <a:srgbClr val="000000"/>
                   </a:solidFill>
@@ -2515,7 +2515,7 @@
             </a:ln>
             <a:extLst>
               <a:ext uri="{91240B29-F687-4f45-9708-019B960494DF}">
-                <a14:hiddenLine xmlns:a14="http://schemas.microsoft.com/office/drawing/2010/main" xmlns="" w="9525">
+                <a14:hiddenLine xmlns="" xmlns:a14="http://schemas.microsoft.com/office/drawing/2010/main" w="9525">
                   <a:solidFill>
                     <a:srgbClr val="000000"/>
                   </a:solidFill>
@@ -2605,7 +2605,7 @@
             </a:ln>
             <a:extLst>
               <a:ext uri="{91240B29-F687-4f45-9708-019B960494DF}">
-                <a14:hiddenLine xmlns:a14="http://schemas.microsoft.com/office/drawing/2010/main" xmlns="" w="9525">
+                <a14:hiddenLine xmlns="" xmlns:a14="http://schemas.microsoft.com/office/drawing/2010/main" w="9525">
                   <a:solidFill>
                     <a:srgbClr val="000000"/>
                   </a:solidFill>
@@ -2673,7 +2673,7 @@
             </a:ln>
             <a:extLst>
               <a:ext uri="{91240B29-F687-4f45-9708-019B960494DF}">
-                <a14:hiddenLine xmlns:a14="http://schemas.microsoft.com/office/drawing/2010/main" xmlns="" w="9525">
+                <a14:hiddenLine xmlns="" xmlns:a14="http://schemas.microsoft.com/office/drawing/2010/main" w="9525">
                   <a:solidFill>
                     <a:srgbClr val="000000"/>
                   </a:solidFill>
@@ -2763,7 +2763,7 @@
             </a:ln>
             <a:extLst>
               <a:ext uri="{91240B29-F687-4f45-9708-019B960494DF}">
-                <a14:hiddenLine xmlns:a14="http://schemas.microsoft.com/office/drawing/2010/main" xmlns="" w="9525">
+                <a14:hiddenLine xmlns="" xmlns:a14="http://schemas.microsoft.com/office/drawing/2010/main" w="9525">
                   <a:solidFill>
                     <a:srgbClr val="000000"/>
                   </a:solidFill>
@@ -2831,7 +2831,7 @@
             </a:ln>
             <a:extLst>
               <a:ext uri="{91240B29-F687-4f45-9708-019B960494DF}">
-                <a14:hiddenLine xmlns:a14="http://schemas.microsoft.com/office/drawing/2010/main" xmlns="" w="9525">
+                <a14:hiddenLine xmlns="" xmlns:a14="http://schemas.microsoft.com/office/drawing/2010/main" w="9525">
                   <a:solidFill>
                     <a:srgbClr val="000000"/>
                   </a:solidFill>
@@ -2921,7 +2921,7 @@
             </a:ln>
             <a:extLst>
               <a:ext uri="{91240B29-F687-4f45-9708-019B960494DF}">
-                <a14:hiddenLine xmlns:a14="http://schemas.microsoft.com/office/drawing/2010/main" xmlns="" w="9525">
+                <a14:hiddenLine xmlns="" xmlns:a14="http://schemas.microsoft.com/office/drawing/2010/main" w="9525">
                   <a:solidFill>
                     <a:srgbClr val="000000"/>
                   </a:solidFill>
@@ -2955,7 +2955,7 @@
             </a:ln>
             <a:extLst>
               <a:ext uri="{91240B29-F687-4f45-9708-019B960494DF}">
-                <a14:hiddenLine xmlns:a14="http://schemas.microsoft.com/office/drawing/2010/main" xmlns="" w="9525">
+                <a14:hiddenLine xmlns="" xmlns:a14="http://schemas.microsoft.com/office/drawing/2010/main" w="9525">
                   <a:solidFill>
                     <a:srgbClr val="000000"/>
                   </a:solidFill>
@@ -3045,7 +3045,7 @@
             </a:ln>
             <a:extLst>
               <a:ext uri="{91240B29-F687-4f45-9708-019B960494DF}">
-                <a14:hiddenLine xmlns:a14="http://schemas.microsoft.com/office/drawing/2010/main" xmlns="" w="9525">
+                <a14:hiddenLine xmlns="" xmlns:a14="http://schemas.microsoft.com/office/drawing/2010/main" w="9525">
                   <a:solidFill>
                     <a:srgbClr val="000000"/>
                   </a:solidFill>
@@ -3107,7 +3107,7 @@
             </a:ln>
             <a:extLst>
               <a:ext uri="{91240B29-F687-4f45-9708-019B960494DF}">
-                <a14:hiddenLine xmlns:a14="http://schemas.microsoft.com/office/drawing/2010/main" xmlns="" w="9525">
+                <a14:hiddenLine xmlns="" xmlns:a14="http://schemas.microsoft.com/office/drawing/2010/main" w="9525">
                   <a:solidFill>
                     <a:srgbClr val="000000"/>
                   </a:solidFill>
@@ -3169,7 +3169,7 @@
             </a:ln>
             <a:extLst>
               <a:ext uri="{91240B29-F687-4f45-9708-019B960494DF}">
-                <a14:hiddenLine xmlns:a14="http://schemas.microsoft.com/office/drawing/2010/main" xmlns="" w="9525">
+                <a14:hiddenLine xmlns="" xmlns:a14="http://schemas.microsoft.com/office/drawing/2010/main" w="9525">
                   <a:solidFill>
                     <a:srgbClr val="000000"/>
                   </a:solidFill>
@@ -3259,7 +3259,7 @@
             </a:ln>
             <a:extLst>
               <a:ext uri="{91240B29-F687-4f45-9708-019B960494DF}">
-                <a14:hiddenLine xmlns:a14="http://schemas.microsoft.com/office/drawing/2010/main" xmlns="" w="9525">
+                <a14:hiddenLine xmlns="" xmlns:a14="http://schemas.microsoft.com/office/drawing/2010/main" w="9525">
                   <a:solidFill>
                     <a:srgbClr val="000000"/>
                   </a:solidFill>
@@ -3327,7 +3327,7 @@
             </a:ln>
             <a:extLst>
               <a:ext uri="{91240B29-F687-4f45-9708-019B960494DF}">
-                <a14:hiddenLine xmlns:a14="http://schemas.microsoft.com/office/drawing/2010/main" xmlns="" w="9525">
+                <a14:hiddenLine xmlns="" xmlns:a14="http://schemas.microsoft.com/office/drawing/2010/main" w="9525">
                   <a:solidFill>
                     <a:srgbClr val="000000"/>
                   </a:solidFill>
@@ -3389,7 +3389,7 @@
             </a:ln>
             <a:extLst>
               <a:ext uri="{91240B29-F687-4f45-9708-019B960494DF}">
-                <a14:hiddenLine xmlns:a14="http://schemas.microsoft.com/office/drawing/2010/main" xmlns="" w="9525">
+                <a14:hiddenLine xmlns="" xmlns:a14="http://schemas.microsoft.com/office/drawing/2010/main" w="9525">
                   <a:solidFill>
                     <a:srgbClr val="000000"/>
                   </a:solidFill>
@@ -3479,7 +3479,7 @@
             </a:ln>
             <a:extLst>
               <a:ext uri="{91240B29-F687-4f45-9708-019B960494DF}">
-                <a14:hiddenLine xmlns:a14="http://schemas.microsoft.com/office/drawing/2010/main" xmlns="" w="9525">
+                <a14:hiddenLine xmlns="" xmlns:a14="http://schemas.microsoft.com/office/drawing/2010/main" w="9525">
                   <a:solidFill>
                     <a:srgbClr val="000000"/>
                   </a:solidFill>
@@ -3541,7 +3541,7 @@
             </a:ln>
             <a:extLst>
               <a:ext uri="{91240B29-F687-4f45-9708-019B960494DF}">
-                <a14:hiddenLine xmlns:a14="http://schemas.microsoft.com/office/drawing/2010/main" xmlns="" w="9525">
+                <a14:hiddenLine xmlns="" xmlns:a14="http://schemas.microsoft.com/office/drawing/2010/main" w="9525">
                   <a:solidFill>
                     <a:srgbClr val="000000"/>
                   </a:solidFill>
@@ -3631,7 +3631,7 @@
             </a:ln>
             <a:extLst>
               <a:ext uri="{91240B29-F687-4f45-9708-019B960494DF}">
-                <a14:hiddenLine xmlns:a14="http://schemas.microsoft.com/office/drawing/2010/main" xmlns="" w="9525">
+                <a14:hiddenLine xmlns="" xmlns:a14="http://schemas.microsoft.com/office/drawing/2010/main" w="9525">
                   <a:solidFill>
                     <a:srgbClr val="000000"/>
                   </a:solidFill>
@@ -3693,7 +3693,7 @@
             </a:ln>
             <a:extLst>
               <a:ext uri="{91240B29-F687-4f45-9708-019B960494DF}">
-                <a14:hiddenLine xmlns:a14="http://schemas.microsoft.com/office/drawing/2010/main" xmlns="" w="9525">
+                <a14:hiddenLine xmlns="" xmlns:a14="http://schemas.microsoft.com/office/drawing/2010/main" w="9525">
                   <a:solidFill>
                     <a:srgbClr val="000000"/>
                   </a:solidFill>
@@ -3783,7 +3783,7 @@
             </a:ln>
             <a:extLst>
               <a:ext uri="{91240B29-F687-4f45-9708-019B960494DF}">
-                <a14:hiddenLine xmlns:a14="http://schemas.microsoft.com/office/drawing/2010/main" xmlns="" w="9525">
+                <a14:hiddenLine xmlns="" xmlns:a14="http://schemas.microsoft.com/office/drawing/2010/main" w="9525">
                   <a:solidFill>
                     <a:srgbClr val="000000"/>
                   </a:solidFill>
@@ -3817,7 +3817,7 @@
             </a:ln>
             <a:extLst>
               <a:ext uri="{91240B29-F687-4f45-9708-019B960494DF}">
-                <a14:hiddenLine xmlns:a14="http://schemas.microsoft.com/office/drawing/2010/main" xmlns="" w="9525">
+                <a14:hiddenLine xmlns="" xmlns:a14="http://schemas.microsoft.com/office/drawing/2010/main" w="9525">
                   <a:solidFill>
                     <a:srgbClr val="000000"/>
                   </a:solidFill>
@@ -3882,7 +3882,7 @@
             </a:ln>
             <a:extLst>
               <a:ext uri="{91240B29-F687-4f45-9708-019B960494DF}">
-                <a14:hiddenLine xmlns:a14="http://schemas.microsoft.com/office/drawing/2010/main" xmlns="" w="9525">
+                <a14:hiddenLine xmlns="" xmlns:a14="http://schemas.microsoft.com/office/drawing/2010/main" w="9525">
                   <a:solidFill>
                     <a:srgbClr val="000000"/>
                   </a:solidFill>
@@ -3972,7 +3972,7 @@
             </a:ln>
             <a:extLst>
               <a:ext uri="{91240B29-F687-4f45-9708-019B960494DF}">
-                <a14:hiddenLine xmlns:a14="http://schemas.microsoft.com/office/drawing/2010/main" xmlns="" w="9525">
+                <a14:hiddenLine xmlns="" xmlns:a14="http://schemas.microsoft.com/office/drawing/2010/main" w="9525">
                   <a:solidFill>
                     <a:srgbClr val="000000"/>
                   </a:solidFill>
@@ -4034,7 +4034,7 @@
             </a:ln>
             <a:extLst>
               <a:ext uri="{91240B29-F687-4f45-9708-019B960494DF}">
-                <a14:hiddenLine xmlns:a14="http://schemas.microsoft.com/office/drawing/2010/main" xmlns="" w="9525">
+                <a14:hiddenLine xmlns="" xmlns:a14="http://schemas.microsoft.com/office/drawing/2010/main" w="9525">
                   <a:solidFill>
                     <a:srgbClr val="000000"/>
                   </a:solidFill>
@@ -4124,7 +4124,7 @@
             </a:ln>
             <a:extLst>
               <a:ext uri="{91240B29-F687-4f45-9708-019B960494DF}">
-                <a14:hiddenLine xmlns:a14="http://schemas.microsoft.com/office/drawing/2010/main" xmlns="" w="9525">
+                <a14:hiddenLine xmlns="" xmlns:a14="http://schemas.microsoft.com/office/drawing/2010/main" w="9525">
                   <a:solidFill>
                     <a:srgbClr val="000000"/>
                   </a:solidFill>
@@ -4214,7 +4214,7 @@
             </a:ln>
             <a:extLst>
               <a:ext uri="{91240B29-F687-4f45-9708-019B960494DF}">
-                <a14:hiddenLine xmlns:a14="http://schemas.microsoft.com/office/drawing/2010/main" xmlns="" w="9525">
+                <a14:hiddenLine xmlns="" xmlns:a14="http://schemas.microsoft.com/office/drawing/2010/main" w="9525">
                   <a:solidFill>
                     <a:srgbClr val="000000"/>
                   </a:solidFill>
@@ -4279,7 +4279,7 @@
             </a:ln>
             <a:extLst>
               <a:ext uri="{91240B29-F687-4f45-9708-019B960494DF}">
-                <a14:hiddenLine xmlns:a14="http://schemas.microsoft.com/office/drawing/2010/main" xmlns="" w="9525">
+                <a14:hiddenLine xmlns="" xmlns:a14="http://schemas.microsoft.com/office/drawing/2010/main" w="9525">
                   <a:solidFill>
                     <a:srgbClr val="000000"/>
                   </a:solidFill>
@@ -4341,7 +4341,7 @@
             </a:ln>
             <a:extLst>
               <a:ext uri="{91240B29-F687-4f45-9708-019B960494DF}">
-                <a14:hiddenLine xmlns:a14="http://schemas.microsoft.com/office/drawing/2010/main" xmlns="" w="9525">
+                <a14:hiddenLine xmlns="" xmlns:a14="http://schemas.microsoft.com/office/drawing/2010/main" w="9525">
                   <a:solidFill>
                     <a:srgbClr val="000000"/>
                   </a:solidFill>
@@ -4431,7 +4431,7 @@
             </a:ln>
             <a:extLst>
               <a:ext uri="{91240B29-F687-4f45-9708-019B960494DF}">
-                <a14:hiddenLine xmlns:a14="http://schemas.microsoft.com/office/drawing/2010/main" xmlns="" w="9525">
+                <a14:hiddenLine xmlns="" xmlns:a14="http://schemas.microsoft.com/office/drawing/2010/main" w="9525">
                   <a:solidFill>
                     <a:srgbClr val="000000"/>
                   </a:solidFill>
@@ -4521,7 +4521,7 @@
             </a:ln>
             <a:extLst>
               <a:ext uri="{91240B29-F687-4f45-9708-019B960494DF}">
-                <a14:hiddenLine xmlns:a14="http://schemas.microsoft.com/office/drawing/2010/main" xmlns="" w="9525">
+                <a14:hiddenLine xmlns="" xmlns:a14="http://schemas.microsoft.com/office/drawing/2010/main" w="9525">
                   <a:solidFill>
                     <a:srgbClr val="000000"/>
                   </a:solidFill>
@@ -4583,7 +4583,7 @@
             </a:ln>
             <a:extLst>
               <a:ext uri="{91240B29-F687-4f45-9708-019B960494DF}">
-                <a14:hiddenLine xmlns:a14="http://schemas.microsoft.com/office/drawing/2010/main" xmlns="" w="9525">
+                <a14:hiddenLine xmlns="" xmlns:a14="http://schemas.microsoft.com/office/drawing/2010/main" w="9525">
                   <a:solidFill>
                     <a:srgbClr val="000000"/>
                   </a:solidFill>
@@ -4703,7 +4703,7 @@
             </a:ln>
             <a:extLst>
               <a:ext uri="{91240B29-F687-4f45-9708-019B960494DF}">
-                <a14:hiddenLine xmlns:a14="http://schemas.microsoft.com/office/drawing/2010/main" xmlns="" w="9525">
+                <a14:hiddenLine xmlns="" xmlns:a14="http://schemas.microsoft.com/office/drawing/2010/main" w="9525">
                   <a:solidFill>
                     <a:srgbClr val="000000"/>
                   </a:solidFill>
@@ -4771,7 +4771,7 @@
             </a:ln>
             <a:extLst>
               <a:ext uri="{91240B29-F687-4f45-9708-019B960494DF}">
-                <a14:hiddenLine xmlns:a14="http://schemas.microsoft.com/office/drawing/2010/main" xmlns="" w="9525">
+                <a14:hiddenLine xmlns="" xmlns:a14="http://schemas.microsoft.com/office/drawing/2010/main" w="9525">
                   <a:solidFill>
                     <a:srgbClr val="000000"/>
                   </a:solidFill>
@@ -4861,7 +4861,7 @@
             </a:ln>
             <a:extLst>
               <a:ext uri="{91240B29-F687-4f45-9708-019B960494DF}">
-                <a14:hiddenLine xmlns:a14="http://schemas.microsoft.com/office/drawing/2010/main" xmlns="" w="9525">
+                <a14:hiddenLine xmlns="" xmlns:a14="http://schemas.microsoft.com/office/drawing/2010/main" w="9525">
                   <a:solidFill>
                     <a:srgbClr val="000000"/>
                   </a:solidFill>
@@ -9726,7 +9726,7 @@
           <a:noFill/>
           <a:extLst>
             <a:ext uri="{909E8E84-426E-40dd-AFC4-6F175D3DCCD1}">
-              <a14:hiddenFill xmlns:a14="http://schemas.microsoft.com/office/drawing/2010/main" xmlns="">
+              <a14:hiddenFill xmlns="" xmlns:a14="http://schemas.microsoft.com/office/drawing/2010/main">
                 <a:solidFill>
                   <a:srgbClr val="FFFFFF"/>
                 </a:solidFill>
@@ -9800,7 +9800,7 @@
               </a:ln>
               <a:extLst>
                 <a:ext uri="{91240B29-F687-4f45-9708-019B960494DF}">
-                  <a14:hiddenLine xmlns:a14="http://schemas.microsoft.com/office/drawing/2010/main" xmlns="" w="9525">
+                  <a14:hiddenLine xmlns="" xmlns:a14="http://schemas.microsoft.com/office/drawing/2010/main" w="9525">
                     <a:solidFill>
                       <a:srgbClr val="000000"/>
                     </a:solidFill>
@@ -9890,7 +9890,7 @@
               </a:ln>
               <a:extLst>
                 <a:ext uri="{91240B29-F687-4f45-9708-019B960494DF}">
-                  <a14:hiddenLine xmlns:a14="http://schemas.microsoft.com/office/drawing/2010/main" xmlns="" w="9525">
+                  <a14:hiddenLine xmlns="" xmlns:a14="http://schemas.microsoft.com/office/drawing/2010/main" w="9525">
                     <a:solidFill>
                       <a:srgbClr val="000000"/>
                     </a:solidFill>
@@ -9980,7 +9980,7 @@
               </a:ln>
               <a:extLst>
                 <a:ext uri="{91240B29-F687-4f45-9708-019B960494DF}">
-                  <a14:hiddenLine xmlns:a14="http://schemas.microsoft.com/office/drawing/2010/main" xmlns="" w="9525">
+                  <a14:hiddenLine xmlns="" xmlns:a14="http://schemas.microsoft.com/office/drawing/2010/main" w="9525">
                     <a:solidFill>
                       <a:srgbClr val="000000"/>
                     </a:solidFill>
@@ -10042,7 +10042,7 @@
               </a:ln>
               <a:extLst>
                 <a:ext uri="{91240B29-F687-4f45-9708-019B960494DF}">
-                  <a14:hiddenLine xmlns:a14="http://schemas.microsoft.com/office/drawing/2010/main" xmlns="" w="9525">
+                  <a14:hiddenLine xmlns="" xmlns:a14="http://schemas.microsoft.com/office/drawing/2010/main" w="9525">
                     <a:solidFill>
                       <a:srgbClr val="000000"/>
                     </a:solidFill>
@@ -10132,7 +10132,7 @@
               </a:ln>
               <a:extLst>
                 <a:ext uri="{91240B29-F687-4f45-9708-019B960494DF}">
-                  <a14:hiddenLine xmlns:a14="http://schemas.microsoft.com/office/drawing/2010/main" xmlns="" w="9525">
+                  <a14:hiddenLine xmlns="" xmlns:a14="http://schemas.microsoft.com/office/drawing/2010/main" w="9525">
                     <a:solidFill>
                       <a:srgbClr val="000000"/>
                     </a:solidFill>
@@ -10194,7 +10194,7 @@
               </a:ln>
               <a:extLst>
                 <a:ext uri="{91240B29-F687-4f45-9708-019B960494DF}">
-                  <a14:hiddenLine xmlns:a14="http://schemas.microsoft.com/office/drawing/2010/main" xmlns="" w="9525">
+                  <a14:hiddenLine xmlns="" xmlns:a14="http://schemas.microsoft.com/office/drawing/2010/main" w="9525">
                     <a:solidFill>
                       <a:srgbClr val="000000"/>
                     </a:solidFill>
@@ -10256,7 +10256,7 @@
               </a:ln>
               <a:extLst>
                 <a:ext uri="{91240B29-F687-4f45-9708-019B960494DF}">
-                  <a14:hiddenLine xmlns:a14="http://schemas.microsoft.com/office/drawing/2010/main" xmlns="" w="9525">
+                  <a14:hiddenLine xmlns="" xmlns:a14="http://schemas.microsoft.com/office/drawing/2010/main" w="9525">
                     <a:solidFill>
                       <a:srgbClr val="000000"/>
                     </a:solidFill>
@@ -10346,7 +10346,7 @@
               </a:ln>
               <a:extLst>
                 <a:ext uri="{91240B29-F687-4f45-9708-019B960494DF}">
-                  <a14:hiddenLine xmlns:a14="http://schemas.microsoft.com/office/drawing/2010/main" xmlns="" w="9525">
+                  <a14:hiddenLine xmlns="" xmlns:a14="http://schemas.microsoft.com/office/drawing/2010/main" w="9525">
                     <a:solidFill>
                       <a:srgbClr val="000000"/>
                     </a:solidFill>
@@ -10436,7 +10436,7 @@
               </a:ln>
               <a:extLst>
                 <a:ext uri="{91240B29-F687-4f45-9708-019B960494DF}">
-                  <a14:hiddenLine xmlns:a14="http://schemas.microsoft.com/office/drawing/2010/main" xmlns="" w="9525">
+                  <a14:hiddenLine xmlns="" xmlns:a14="http://schemas.microsoft.com/office/drawing/2010/main" w="9525">
                     <a:solidFill>
                       <a:srgbClr val="000000"/>
                     </a:solidFill>
@@ -10498,7 +10498,7 @@
               </a:ln>
               <a:extLst>
                 <a:ext uri="{91240B29-F687-4f45-9708-019B960494DF}">
-                  <a14:hiddenLine xmlns:a14="http://schemas.microsoft.com/office/drawing/2010/main" xmlns="" w="9525">
+                  <a14:hiddenLine xmlns="" xmlns:a14="http://schemas.microsoft.com/office/drawing/2010/main" w="9525">
                     <a:solidFill>
                       <a:srgbClr val="000000"/>
                     </a:solidFill>
@@ -10608,7 +10608,7 @@
               </a:ln>
               <a:extLst>
                 <a:ext uri="{91240B29-F687-4f45-9708-019B960494DF}">
-                  <a14:hiddenLine xmlns:a14="http://schemas.microsoft.com/office/drawing/2010/main" xmlns="" w="9525">
+                  <a14:hiddenLine xmlns="" xmlns:a14="http://schemas.microsoft.com/office/drawing/2010/main" w="9525">
                     <a:solidFill>
                       <a:srgbClr val="000000"/>
                     </a:solidFill>
@@ -10692,7 +10692,7 @@
               </a:ln>
               <a:extLst>
                 <a:ext uri="{91240B29-F687-4f45-9708-019B960494DF}">
-                  <a14:hiddenLine xmlns:a14="http://schemas.microsoft.com/office/drawing/2010/main" xmlns="" w="9525">
+                  <a14:hiddenLine xmlns="" xmlns:a14="http://schemas.microsoft.com/office/drawing/2010/main" w="9525">
                     <a:solidFill>
                       <a:srgbClr val="000000"/>
                     </a:solidFill>
@@ -10754,7 +10754,7 @@
               </a:ln>
               <a:extLst>
                 <a:ext uri="{91240B29-F687-4f45-9708-019B960494DF}">
-                  <a14:hiddenLine xmlns:a14="http://schemas.microsoft.com/office/drawing/2010/main" xmlns="" w="9525">
+                  <a14:hiddenLine xmlns="" xmlns:a14="http://schemas.microsoft.com/office/drawing/2010/main" w="9525">
                     <a:solidFill>
                       <a:srgbClr val="000000"/>
                     </a:solidFill>
@@ -10816,7 +10816,7 @@
               </a:ln>
               <a:extLst>
                 <a:ext uri="{91240B29-F687-4f45-9708-019B960494DF}">
-                  <a14:hiddenLine xmlns:a14="http://schemas.microsoft.com/office/drawing/2010/main" xmlns="" w="9525">
+                  <a14:hiddenLine xmlns="" xmlns:a14="http://schemas.microsoft.com/office/drawing/2010/main" w="9525">
                     <a:solidFill>
                       <a:srgbClr val="000000"/>
                     </a:solidFill>
@@ -10906,7 +10906,7 @@
               </a:ln>
               <a:extLst>
                 <a:ext uri="{91240B29-F687-4f45-9708-019B960494DF}">
-                  <a14:hiddenLine xmlns:a14="http://schemas.microsoft.com/office/drawing/2010/main" xmlns="" w="9525">
+                  <a14:hiddenLine xmlns="" xmlns:a14="http://schemas.microsoft.com/office/drawing/2010/main" w="9525">
                     <a:solidFill>
                       <a:srgbClr val="000000"/>
                     </a:solidFill>
@@ -10940,7 +10940,7 @@
               </a:ln>
               <a:extLst>
                 <a:ext uri="{91240B29-F687-4f45-9708-019B960494DF}">
-                  <a14:hiddenLine xmlns:a14="http://schemas.microsoft.com/office/drawing/2010/main" xmlns="" w="9525">
+                  <a14:hiddenLine xmlns="" xmlns:a14="http://schemas.microsoft.com/office/drawing/2010/main" w="9525">
                     <a:solidFill>
                       <a:srgbClr val="000000"/>
                     </a:solidFill>
@@ -11005,7 +11005,7 @@
               </a:ln>
               <a:extLst>
                 <a:ext uri="{91240B29-F687-4f45-9708-019B960494DF}">
-                  <a14:hiddenLine xmlns:a14="http://schemas.microsoft.com/office/drawing/2010/main" xmlns="" w="9525">
+                  <a14:hiddenLine xmlns="" xmlns:a14="http://schemas.microsoft.com/office/drawing/2010/main" w="9525">
                     <a:solidFill>
                       <a:srgbClr val="000000"/>
                     </a:solidFill>
@@ -11095,7 +11095,7 @@
               </a:ln>
               <a:extLst>
                 <a:ext uri="{91240B29-F687-4f45-9708-019B960494DF}">
-                  <a14:hiddenLine xmlns:a14="http://schemas.microsoft.com/office/drawing/2010/main" xmlns="" w="9525">
+                  <a14:hiddenLine xmlns="" xmlns:a14="http://schemas.microsoft.com/office/drawing/2010/main" w="9525">
                     <a:solidFill>
                       <a:srgbClr val="000000"/>
                     </a:solidFill>
@@ -11157,7 +11157,7 @@
               </a:ln>
               <a:extLst>
                 <a:ext uri="{91240B29-F687-4f45-9708-019B960494DF}">
-                  <a14:hiddenLine xmlns:a14="http://schemas.microsoft.com/office/drawing/2010/main" xmlns="" w="9525">
+                  <a14:hiddenLine xmlns="" xmlns:a14="http://schemas.microsoft.com/office/drawing/2010/main" w="9525">
                     <a:solidFill>
                       <a:srgbClr val="000000"/>
                     </a:solidFill>
@@ -11247,7 +11247,7 @@
               </a:ln>
               <a:extLst>
                 <a:ext uri="{91240B29-F687-4f45-9708-019B960494DF}">
-                  <a14:hiddenLine xmlns:a14="http://schemas.microsoft.com/office/drawing/2010/main" xmlns="" w="9525">
+                  <a14:hiddenLine xmlns="" xmlns:a14="http://schemas.microsoft.com/office/drawing/2010/main" w="9525">
                     <a:solidFill>
                       <a:srgbClr val="000000"/>
                     </a:solidFill>
@@ -11312,7 +11312,7 @@
               </a:ln>
               <a:extLst>
                 <a:ext uri="{91240B29-F687-4f45-9708-019B960494DF}">
-                  <a14:hiddenLine xmlns:a14="http://schemas.microsoft.com/office/drawing/2010/main" xmlns="" w="9525">
+                  <a14:hiddenLine xmlns="" xmlns:a14="http://schemas.microsoft.com/office/drawing/2010/main" w="9525">
                     <a:solidFill>
                       <a:srgbClr val="000000"/>
                     </a:solidFill>
@@ -11374,7 +11374,7 @@
               </a:ln>
               <a:extLst>
                 <a:ext uri="{91240B29-F687-4f45-9708-019B960494DF}">
-                  <a14:hiddenLine xmlns:a14="http://schemas.microsoft.com/office/drawing/2010/main" xmlns="" w="9525">
+                  <a14:hiddenLine xmlns="" xmlns:a14="http://schemas.microsoft.com/office/drawing/2010/main" w="9525">
                     <a:solidFill>
                       <a:srgbClr val="000000"/>
                     </a:solidFill>
@@ -11464,7 +11464,7 @@
               </a:ln>
               <a:extLst>
                 <a:ext uri="{91240B29-F687-4f45-9708-019B960494DF}">
-                  <a14:hiddenLine xmlns:a14="http://schemas.microsoft.com/office/drawing/2010/main" xmlns="" w="9525">
+                  <a14:hiddenLine xmlns="" xmlns:a14="http://schemas.microsoft.com/office/drawing/2010/main" w="9525">
                     <a:solidFill>
                       <a:srgbClr val="000000"/>
                     </a:solidFill>
@@ -11554,7 +11554,7 @@
               </a:ln>
               <a:extLst>
                 <a:ext uri="{91240B29-F687-4f45-9708-019B960494DF}">
-                  <a14:hiddenLine xmlns:a14="http://schemas.microsoft.com/office/drawing/2010/main" xmlns="" w="9525">
+                  <a14:hiddenLine xmlns="" xmlns:a14="http://schemas.microsoft.com/office/drawing/2010/main" w="9525">
                     <a:solidFill>
                       <a:srgbClr val="000000"/>
                     </a:solidFill>
@@ -11619,7 +11619,7 @@
               </a:ln>
               <a:extLst>
                 <a:ext uri="{91240B29-F687-4f45-9708-019B960494DF}">
-                  <a14:hiddenLine xmlns:a14="http://schemas.microsoft.com/office/drawing/2010/main" xmlns="" w="9525">
+                  <a14:hiddenLine xmlns="" xmlns:a14="http://schemas.microsoft.com/office/drawing/2010/main" w="9525">
                     <a:solidFill>
                       <a:srgbClr val="000000"/>
                     </a:solidFill>
@@ -11739,7 +11739,7 @@
               </a:ln>
               <a:extLst>
                 <a:ext uri="{91240B29-F687-4f45-9708-019B960494DF}">
-                  <a14:hiddenLine xmlns:a14="http://schemas.microsoft.com/office/drawing/2010/main" xmlns="" w="9525">
+                  <a14:hiddenLine xmlns="" xmlns:a14="http://schemas.microsoft.com/office/drawing/2010/main" w="9525">
                     <a:solidFill>
                       <a:srgbClr val="000000"/>
                     </a:solidFill>
@@ -11820,7 +11820,7 @@
               </a:ln>
               <a:extLst>
                 <a:ext uri="{91240B29-F687-4f45-9708-019B960494DF}">
-                  <a14:hiddenLine xmlns:a14="http://schemas.microsoft.com/office/drawing/2010/main" xmlns="" w="9525">
+                  <a14:hiddenLine xmlns="" xmlns:a14="http://schemas.microsoft.com/office/drawing/2010/main" w="9525">
                     <a:solidFill>
                       <a:srgbClr val="000000"/>
                     </a:solidFill>
@@ -11935,7 +11935,7 @@
               </a:ln>
               <a:extLst>
                 <a:ext uri="{91240B29-F687-4f45-9708-019B960494DF}">
-                  <a14:hiddenLine xmlns:a14="http://schemas.microsoft.com/office/drawing/2010/main" xmlns="" w="9525">
+                  <a14:hiddenLine xmlns="" xmlns:a14="http://schemas.microsoft.com/office/drawing/2010/main" w="9525">
                     <a:solidFill>
                       <a:srgbClr val="000000"/>
                     </a:solidFill>
@@ -12025,7 +12025,7 @@
               </a:ln>
               <a:extLst>
                 <a:ext uri="{91240B29-F687-4f45-9708-019B960494DF}">
-                  <a14:hiddenLine xmlns:a14="http://schemas.microsoft.com/office/drawing/2010/main" xmlns="" w="9525">
+                  <a14:hiddenLine xmlns="" xmlns:a14="http://schemas.microsoft.com/office/drawing/2010/main" w="9525">
                     <a:solidFill>
                       <a:srgbClr val="000000"/>
                     </a:solidFill>
@@ -12090,7 +12090,7 @@
               </a:ln>
               <a:extLst>
                 <a:ext uri="{91240B29-F687-4f45-9708-019B960494DF}">
-                  <a14:hiddenLine xmlns:a14="http://schemas.microsoft.com/office/drawing/2010/main" xmlns="" w="9525">
+                  <a14:hiddenLine xmlns="" xmlns:a14="http://schemas.microsoft.com/office/drawing/2010/main" w="9525">
                     <a:solidFill>
                       <a:srgbClr val="000000"/>
                     </a:solidFill>
@@ -12180,7 +12180,7 @@
               </a:ln>
               <a:extLst>
                 <a:ext uri="{91240B29-F687-4f45-9708-019B960494DF}">
-                  <a14:hiddenLine xmlns:a14="http://schemas.microsoft.com/office/drawing/2010/main" xmlns="" w="9525">
+                  <a14:hiddenLine xmlns="" xmlns:a14="http://schemas.microsoft.com/office/drawing/2010/main" w="9525">
                     <a:solidFill>
                       <a:srgbClr val="000000"/>
                     </a:solidFill>
@@ -12248,7 +12248,7 @@
               </a:ln>
               <a:extLst>
                 <a:ext uri="{91240B29-F687-4f45-9708-019B960494DF}">
-                  <a14:hiddenLine xmlns:a14="http://schemas.microsoft.com/office/drawing/2010/main" xmlns="" w="9525">
+                  <a14:hiddenLine xmlns="" xmlns:a14="http://schemas.microsoft.com/office/drawing/2010/main" w="9525">
                     <a:solidFill>
                       <a:srgbClr val="000000"/>
                     </a:solidFill>
@@ -12338,7 +12338,7 @@
               </a:ln>
               <a:extLst>
                 <a:ext uri="{91240B29-F687-4f45-9708-019B960494DF}">
-                  <a14:hiddenLine xmlns:a14="http://schemas.microsoft.com/office/drawing/2010/main" xmlns="" w="9525">
+                  <a14:hiddenLine xmlns="" xmlns:a14="http://schemas.microsoft.com/office/drawing/2010/main" w="9525">
                     <a:solidFill>
                       <a:srgbClr val="000000"/>
                     </a:solidFill>
@@ -12406,7 +12406,7 @@
               </a:ln>
               <a:extLst>
                 <a:ext uri="{91240B29-F687-4f45-9708-019B960494DF}">
-                  <a14:hiddenLine xmlns:a14="http://schemas.microsoft.com/office/drawing/2010/main" xmlns="" w="9525">
+                  <a14:hiddenLine xmlns="" xmlns:a14="http://schemas.microsoft.com/office/drawing/2010/main" w="9525">
                     <a:solidFill>
                       <a:srgbClr val="000000"/>
                     </a:solidFill>
@@ -12496,7 +12496,7 @@
               </a:ln>
               <a:extLst>
                 <a:ext uri="{91240B29-F687-4f45-9708-019B960494DF}">
-                  <a14:hiddenLine xmlns:a14="http://schemas.microsoft.com/office/drawing/2010/main" xmlns="" w="9525">
+                  <a14:hiddenLine xmlns="" xmlns:a14="http://schemas.microsoft.com/office/drawing/2010/main" w="9525">
                     <a:solidFill>
                       <a:srgbClr val="000000"/>
                     </a:solidFill>
@@ -12530,7 +12530,7 @@
               </a:ln>
               <a:extLst>
                 <a:ext uri="{91240B29-F687-4f45-9708-019B960494DF}">
-                  <a14:hiddenLine xmlns:a14="http://schemas.microsoft.com/office/drawing/2010/main" xmlns="" w="9525">
+                  <a14:hiddenLine xmlns="" xmlns:a14="http://schemas.microsoft.com/office/drawing/2010/main" w="9525">
                     <a:solidFill>
                       <a:srgbClr val="000000"/>
                     </a:solidFill>
@@ -13157,11 +13157,7 @@
             </a:pPr>
             <a:r>
               <a:rPr lang="en-US" dirty="0" smtClean="0"/>
-              <a:t>Samantha </a:t>
-            </a:r>
-            <a:r>
-              <a:rPr lang="en-US" dirty="0" smtClean="0"/>
-              <a:t>Sprecace</a:t>
+              <a:t>Samantha Sprecace</a:t>
             </a:r>
           </a:p>
           <a:p>
@@ -13593,11 +13589,7 @@
           <a:p>
             <a:r>
               <a:rPr lang="en-US" dirty="0" smtClean="0"/>
-              <a:t>No Issue Tracker for current fork of </a:t>
-            </a:r>
-            <a:r>
-              <a:rPr lang="en-US" dirty="0" smtClean="0"/>
-              <a:t>project</a:t>
+              <a:t>No Issue Tracker for current fork of project</a:t>
             </a:r>
           </a:p>
           <a:p>
@@ -13606,7 +13598,6 @@
               <a:rPr lang="en-US" dirty="0" smtClean="0"/>
               <a:t>Pro User feature</a:t>
             </a:r>
-            <a:endParaRPr lang="en-US" dirty="0" smtClean="0"/>
           </a:p>
           <a:p>
             <a:pPr lvl="1"/>
@@ -13616,11 +13607,7 @@
             </a:r>
             <a:r>
               <a:rPr lang="en-US" smtClean="0"/>
-              <a:t>Ope</a:t>
-            </a:r>
-            <a:r>
-              <a:rPr lang="en-US" smtClean="0"/>
-              <a:t>n Project</a:t>
+              <a:t>Open Project</a:t>
             </a:r>
             <a:endParaRPr lang="en-US" dirty="0"/>
           </a:p>
@@ -14251,42 +14238,6 @@
       </p:pic>
       <p:pic>
         <p:nvPicPr>
-          <p:cNvPr id="19" name="Picture 18"/>
-          <p:cNvPicPr>
-            <a:picLocks noChangeAspect="1"/>
-          </p:cNvPicPr>
-          <p:nvPr/>
-        </p:nvPicPr>
-        <p:blipFill>
-          <a:blip r:embed="rId6">
-            <a:extLst>
-              <a:ext uri="{BEBA8EAE-BF5A-486C-A8C5-ECC9F3942E4B}">
-                <a14:imgProps xmlns:a14="http://schemas.microsoft.com/office/drawing/2010/main">
-                  <a14:imgLayer r:embed="rId7">
-                    <a14:imgEffect>
-                      <a14:backgroundRemoval t="10000" b="90000" l="10000" r="90000"/>
-                    </a14:imgEffect>
-                  </a14:imgLayer>
-                </a14:imgProps>
-              </a:ext>
-            </a:extLst>
-          </a:blip>
-          <a:stretch>
-            <a:fillRect/>
-          </a:stretch>
-        </p:blipFill>
-        <p:spPr>
-          <a:xfrm>
-            <a:off x="6630430" y="4766846"/>
-            <a:ext cx="257285" cy="246784"/>
-          </a:xfrm>
-          <a:prstGeom prst="rect">
-            <a:avLst/>
-          </a:prstGeom>
-        </p:spPr>
-      </p:pic>
-      <p:pic>
-        <p:nvPicPr>
           <p:cNvPr id="20" name="Picture 19"/>
           <p:cNvPicPr>
             <a:picLocks noChangeAspect="1"/>
@@ -14422,6 +14373,42 @@
         <p:spPr>
           <a:xfrm>
             <a:off x="7100099" y="3192537"/>
+            <a:ext cx="257995" cy="250407"/>
+          </a:xfrm>
+          <a:prstGeom prst="rect">
+            <a:avLst/>
+          </a:prstGeom>
+        </p:spPr>
+      </p:pic>
+      <p:pic>
+        <p:nvPicPr>
+          <p:cNvPr id="22" name="Picture 21"/>
+          <p:cNvPicPr>
+            <a:picLocks noChangeAspect="1"/>
+          </p:cNvPicPr>
+          <p:nvPr/>
+        </p:nvPicPr>
+        <p:blipFill>
+          <a:blip r:embed="rId4">
+            <a:extLst>
+              <a:ext uri="{BEBA8EAE-BF5A-486C-A8C5-ECC9F3942E4B}">
+                <a14:imgProps xmlns:a14="http://schemas.microsoft.com/office/drawing/2010/main">
+                  <a14:imgLayer r:embed="rId5">
+                    <a14:imgEffect>
+                      <a14:backgroundRemoval t="10000" b="90000" l="10000" r="90000"/>
+                    </a14:imgEffect>
+                  </a14:imgLayer>
+                </a14:imgProps>
+              </a:ext>
+            </a:extLst>
+          </a:blip>
+          <a:stretch>
+            <a:fillRect/>
+          </a:stretch>
+        </p:blipFill>
+        <p:spPr>
+          <a:xfrm>
+            <a:off x="6641273" y="4767963"/>
             <a:ext cx="257995" cy="250407"/>
           </a:xfrm>
           <a:prstGeom prst="rect">

--- a/Project/Project Update Final.pptx
+++ b/Project/Project Update Final.pptx
@@ -5,12 +5,14 @@
     <p:sldMasterId id="2147483696" r:id="rId1"/>
   </p:sldMasterIdLst>
   <p:notesMasterIdLst>
-    <p:notesMasterId r:id="rId5"/>
+    <p:notesMasterId r:id="rId7"/>
   </p:notesMasterIdLst>
   <p:sldIdLst>
     <p:sldId id="256" r:id="rId2"/>
     <p:sldId id="257" r:id="rId3"/>
     <p:sldId id="259" r:id="rId4"/>
+    <p:sldId id="260" r:id="rId5"/>
+    <p:sldId id="261" r:id="rId6"/>
   </p:sldIdLst>
   <p:sldSz cx="12192000" cy="6858000"/>
   <p:notesSz cx="6858000" cy="9144000"/>
@@ -199,7 +201,7 @@
           <a:p>
             <a:fld id="{ABB69B23-120A-4BEA-8F94-97FEFC3656C1}" type="datetimeFigureOut">
               <a:rPr lang="en-US" smtClean="0"/>
-              <a:t>8/12/2019</a:t>
+              <a:t>8/16/2019</a:t>
             </a:fld>
             <a:endParaRPr lang="en-US"/>
           </a:p>
@@ -710,6 +712,124 @@
     <p:extLst>
       <p:ext uri="{BB962C8B-B14F-4D97-AF65-F5344CB8AC3E}">
         <p14:creationId xmlns:p14="http://schemas.microsoft.com/office/powerpoint/2010/main" val="555687177"/>
+      </p:ext>
+    </p:extLst>
+  </p:cSld>
+  <p:clrMapOvr>
+    <a:masterClrMapping/>
+  </p:clrMapOvr>
+</p:notes>
+</file>
+
+<file path=ppt/notesSlides/notesSlide4.xml><?xml version="1.0" encoding="utf-8"?>
+<p:notes xmlns:a="http://schemas.openxmlformats.org/drawingml/2006/main" xmlns:r="http://schemas.openxmlformats.org/officeDocument/2006/relationships" xmlns:p="http://schemas.openxmlformats.org/presentationml/2006/main">
+  <p:cSld>
+    <p:spTree>
+      <p:nvGrpSpPr>
+        <p:cNvPr id="1" name=""/>
+        <p:cNvGrpSpPr/>
+        <p:nvPr/>
+      </p:nvGrpSpPr>
+      <p:grpSpPr>
+        <a:xfrm>
+          <a:off x="0" y="0"/>
+          <a:ext cx="0" cy="0"/>
+          <a:chOff x="0" y="0"/>
+          <a:chExt cx="0" cy="0"/>
+        </a:xfrm>
+      </p:grpSpPr>
+      <p:sp>
+        <p:nvSpPr>
+          <p:cNvPr id="2" name="Slide Image Placeholder 1"/>
+          <p:cNvSpPr>
+            <a:spLocks noGrp="1" noRot="1" noChangeAspect="1"/>
+          </p:cNvSpPr>
+          <p:nvPr>
+            <p:ph type="sldImg"/>
+          </p:nvPr>
+        </p:nvSpPr>
+        <p:spPr/>
+      </p:sp>
+      <p:sp>
+        <p:nvSpPr>
+          <p:cNvPr id="3" name="Notes Placeholder 2"/>
+          <p:cNvSpPr>
+            <a:spLocks noGrp="1"/>
+          </p:cNvSpPr>
+          <p:nvPr>
+            <p:ph type="body" idx="1"/>
+          </p:nvPr>
+        </p:nvSpPr>
+        <p:spPr/>
+        <p:txBody>
+          <a:bodyPr/>
+          <a:lstStyle/>
+          <a:p>
+            <a:r>
+              <a:rPr lang="en-US" dirty="0" smtClean="0"/>
+              <a:t>Semi-Successful</a:t>
+            </a:r>
+          </a:p>
+          <a:p>
+            <a:r>
+              <a:rPr lang="en-US" dirty="0" smtClean="0"/>
+              <a:t>I</a:t>
+            </a:r>
+            <a:r>
+              <a:rPr lang="en-US" baseline="0" dirty="0" smtClean="0"/>
+              <a:t> didn’t get all of the work I wanted to get done this sprint, but I definitely have made this website a lot better</a:t>
+            </a:r>
+          </a:p>
+          <a:p>
+            <a:r>
+              <a:rPr lang="en-US" baseline="0" dirty="0" smtClean="0"/>
+              <a:t>I personally don’t have push permissions, so I cannot actually push my changes to the live server</a:t>
+            </a:r>
+          </a:p>
+          <a:p>
+            <a:r>
+              <a:rPr lang="en-US" dirty="0" smtClean="0"/>
+              <a:t>Those in charge are not always available to teach</a:t>
+            </a:r>
+            <a:r>
+              <a:rPr lang="en-US" baseline="0" dirty="0" smtClean="0"/>
+              <a:t> me/accept </a:t>
+            </a:r>
+            <a:r>
+              <a:rPr lang="en-US" baseline="0" smtClean="0"/>
+              <a:t>my changes</a:t>
+            </a:r>
+            <a:endParaRPr lang="en-US" dirty="0"/>
+          </a:p>
+        </p:txBody>
+      </p:sp>
+      <p:sp>
+        <p:nvSpPr>
+          <p:cNvPr id="4" name="Slide Number Placeholder 3"/>
+          <p:cNvSpPr>
+            <a:spLocks noGrp="1"/>
+          </p:cNvSpPr>
+          <p:nvPr>
+            <p:ph type="sldNum" sz="quarter" idx="10"/>
+          </p:nvPr>
+        </p:nvSpPr>
+        <p:spPr/>
+        <p:txBody>
+          <a:bodyPr/>
+          <a:lstStyle/>
+          <a:p>
+            <a:fld id="{B4037872-D299-43BD-9978-F90DA2E5F5DA}" type="slidenum">
+              <a:rPr lang="en-US" smtClean="0"/>
+              <a:t>5</a:t>
+            </a:fld>
+            <a:endParaRPr lang="en-US"/>
+          </a:p>
+        </p:txBody>
+      </p:sp>
+    </p:spTree>
+    <p:extLst>
+      <p:ext uri="{BB962C8B-B14F-4D97-AF65-F5344CB8AC3E}">
+        <p14:creationId xmlns:p14="http://schemas.microsoft.com/office/powerpoint/2010/main" val="1720093420"/>
       </p:ext>
     </p:extLst>
   </p:cSld>
@@ -5001,7 +5121,7 @@
           <a:p>
             <a:fld id="{207AA94B-B260-453C-A0A0-1638B254BB46}" type="datetimeFigureOut">
               <a:rPr lang="en-US" smtClean="0"/>
-              <a:t>8/12/2019</a:t>
+              <a:t>8/16/2019</a:t>
             </a:fld>
             <a:endParaRPr lang="en-US"/>
           </a:p>
@@ -5271,7 +5391,7 @@
           <a:p>
             <a:fld id="{207AA94B-B260-453C-A0A0-1638B254BB46}" type="datetimeFigureOut">
               <a:rPr lang="en-US" smtClean="0"/>
-              <a:t>8/12/2019</a:t>
+              <a:t>8/16/2019</a:t>
             </a:fld>
             <a:endParaRPr lang="en-US"/>
           </a:p>
@@ -5470,7 +5590,7 @@
           <a:p>
             <a:fld id="{207AA94B-B260-453C-A0A0-1638B254BB46}" type="datetimeFigureOut">
               <a:rPr lang="en-US" smtClean="0"/>
-              <a:t>8/12/2019</a:t>
+              <a:t>8/16/2019</a:t>
             </a:fld>
             <a:endParaRPr lang="en-US"/>
           </a:p>
@@ -5736,7 +5856,7 @@
           <a:p>
             <a:fld id="{207AA94B-B260-453C-A0A0-1638B254BB46}" type="datetimeFigureOut">
               <a:rPr lang="en-US" smtClean="0"/>
-              <a:t>8/12/2019</a:t>
+              <a:t>8/16/2019</a:t>
             </a:fld>
             <a:endParaRPr lang="en-US"/>
           </a:p>
@@ -6173,7 +6293,7 @@
           <a:p>
             <a:fld id="{207AA94B-B260-453C-A0A0-1638B254BB46}" type="datetimeFigureOut">
               <a:rPr lang="en-US" smtClean="0"/>
-              <a:t>8/12/2019</a:t>
+              <a:t>8/16/2019</a:t>
             </a:fld>
             <a:endParaRPr lang="en-US"/>
           </a:p>
@@ -6722,7 +6842,7 @@
           <a:p>
             <a:fld id="{207AA94B-B260-453C-A0A0-1638B254BB46}" type="datetimeFigureOut">
               <a:rPr lang="en-US" smtClean="0"/>
-              <a:t>8/12/2019</a:t>
+              <a:t>8/16/2019</a:t>
             </a:fld>
             <a:endParaRPr lang="en-US"/>
           </a:p>
@@ -7445,7 +7565,7 @@
           <a:p>
             <a:fld id="{207AA94B-B260-453C-A0A0-1638B254BB46}" type="datetimeFigureOut">
               <a:rPr lang="en-US" smtClean="0"/>
-              <a:t>8/12/2019</a:t>
+              <a:t>8/16/2019</a:t>
             </a:fld>
             <a:endParaRPr lang="en-US"/>
           </a:p>
@@ -7618,7 +7738,7 @@
           <a:p>
             <a:fld id="{207AA94B-B260-453C-A0A0-1638B254BB46}" type="datetimeFigureOut">
               <a:rPr lang="en-US" smtClean="0"/>
-              <a:t>8/12/2019</a:t>
+              <a:t>8/16/2019</a:t>
             </a:fld>
             <a:endParaRPr lang="en-US"/>
           </a:p>
@@ -7801,7 +7921,7 @@
           <a:p>
             <a:fld id="{207AA94B-B260-453C-A0A0-1638B254BB46}" type="datetimeFigureOut">
               <a:rPr lang="en-US" smtClean="0"/>
-              <a:t>8/12/2019</a:t>
+              <a:t>8/16/2019</a:t>
             </a:fld>
             <a:endParaRPr lang="en-US"/>
           </a:p>
@@ -7974,7 +8094,7 @@
           <a:p>
             <a:fld id="{207AA94B-B260-453C-A0A0-1638B254BB46}" type="datetimeFigureOut">
               <a:rPr lang="en-US" smtClean="0"/>
-              <a:t>8/12/2019</a:t>
+              <a:t>8/16/2019</a:t>
             </a:fld>
             <a:endParaRPr lang="en-US"/>
           </a:p>
@@ -8227,7 +8347,7 @@
           <a:p>
             <a:fld id="{207AA94B-B260-453C-A0A0-1638B254BB46}" type="datetimeFigureOut">
               <a:rPr lang="en-US" smtClean="0"/>
-              <a:t>8/12/2019</a:t>
+              <a:t>8/16/2019</a:t>
             </a:fld>
             <a:endParaRPr lang="en-US"/>
           </a:p>
@@ -8462,7 +8582,7 @@
           <a:p>
             <a:fld id="{207AA94B-B260-453C-A0A0-1638B254BB46}" type="datetimeFigureOut">
               <a:rPr lang="en-US" smtClean="0"/>
-              <a:t>8/12/2019</a:t>
+              <a:t>8/16/2019</a:t>
             </a:fld>
             <a:endParaRPr lang="en-US"/>
           </a:p>
@@ -8846,7 +8966,7 @@
           <a:p>
             <a:fld id="{207AA94B-B260-453C-A0A0-1638B254BB46}" type="datetimeFigureOut">
               <a:rPr lang="en-US" smtClean="0"/>
-              <a:t>8/12/2019</a:t>
+              <a:t>8/16/2019</a:t>
             </a:fld>
             <a:endParaRPr lang="en-US"/>
           </a:p>
@@ -8967,7 +9087,7 @@
           <a:p>
             <a:fld id="{207AA94B-B260-453C-A0A0-1638B254BB46}" type="datetimeFigureOut">
               <a:rPr lang="en-US" smtClean="0"/>
-              <a:t>8/12/2019</a:t>
+              <a:t>8/16/2019</a:t>
             </a:fld>
             <a:endParaRPr lang="en-US"/>
           </a:p>
@@ -9065,7 +9185,7 @@
           <a:p>
             <a:fld id="{207AA94B-B260-453C-A0A0-1638B254BB46}" type="datetimeFigureOut">
               <a:rPr lang="en-US" smtClean="0"/>
-              <a:t>8/12/2019</a:t>
+              <a:t>8/16/2019</a:t>
             </a:fld>
             <a:endParaRPr lang="en-US"/>
           </a:p>
@@ -9317,7 +9437,7 @@
           <a:p>
             <a:fld id="{207AA94B-B260-453C-A0A0-1638B254BB46}" type="datetimeFigureOut">
               <a:rPr lang="en-US" smtClean="0"/>
-              <a:t>8/12/2019</a:t>
+              <a:t>8/16/2019</a:t>
             </a:fld>
             <a:endParaRPr lang="en-US"/>
           </a:p>
@@ -9600,7 +9720,7 @@
           <a:p>
             <a:fld id="{207AA94B-B260-453C-A0A0-1638B254BB46}" type="datetimeFigureOut">
               <a:rPr lang="en-US" smtClean="0"/>
-              <a:t>8/12/2019</a:t>
+              <a:t>8/16/2019</a:t>
             </a:fld>
             <a:endParaRPr lang="en-US"/>
           </a:p>
@@ -12670,7 +12790,7 @@
           <a:p>
             <a:fld id="{207AA94B-B260-453C-A0A0-1638B254BB46}" type="datetimeFigureOut">
               <a:rPr lang="en-US" smtClean="0"/>
-              <a:t>8/12/2019</a:t>
+              <a:t>8/16/2019</a:t>
             </a:fld>
             <a:endParaRPr lang="en-US"/>
           </a:p>
@@ -13670,13 +13790,7 @@
           <a:p>
             <a:r>
               <a:rPr lang="en-US" dirty="0" smtClean="0"/>
-              <a:t>Tasks: July-August 2019 		</a:t>
-            </a:r>
-            <a:r>
-              <a:rPr lang="en-US" dirty="0" smtClean="0">
-                <a:hlinkClick r:id="rId3"/>
-              </a:rPr>
-              <a:t>Pull Request</a:t>
+              <a:t>Tasks: July-August 2019 </a:t>
             </a:r>
             <a:endParaRPr lang="en-US" dirty="0"/>
           </a:p>
@@ -13700,7 +13814,7 @@
         </p:spPr>
         <p:txBody>
           <a:bodyPr>
-            <a:normAutofit lnSpcReduction="10000"/>
+            <a:normAutofit fontScale="85000" lnSpcReduction="10000"/>
           </a:bodyPr>
           <a:lstStyle/>
           <a:p>
@@ -13753,31 +13867,52 @@
           <a:p>
             <a:r>
               <a:rPr lang="en-US" dirty="0"/>
-              <a:t>Mobile issues - not up to </a:t>
+              <a:t>Mobile </a:t>
             </a:r>
             <a:r>
               <a:rPr lang="en-US" dirty="0" smtClean="0"/>
-              <a:t>date with desktop site</a:t>
+              <a:t>issues</a:t>
+            </a:r>
+          </a:p>
+          <a:p>
+            <a:pPr lvl="1"/>
+            <a:r>
+              <a:rPr lang="en-US" dirty="0"/>
+              <a:t>Remove donate buttons on index and contact</a:t>
+            </a:r>
+          </a:p>
+          <a:p>
+            <a:pPr lvl="1"/>
+            <a:r>
+              <a:rPr lang="en-US" dirty="0"/>
+              <a:t>Incorrect description on home</a:t>
+            </a:r>
+          </a:p>
+          <a:p>
+            <a:pPr lvl="1"/>
+            <a:r>
+              <a:rPr lang="en-US" dirty="0"/>
+              <a:t>Sizing and formatting issues</a:t>
+            </a:r>
+          </a:p>
+          <a:p>
+            <a:pPr lvl="2"/>
+            <a:r>
+              <a:rPr lang="en-US" dirty="0"/>
+              <a:t>Text formatting</a:t>
+            </a:r>
+          </a:p>
+          <a:p>
+            <a:pPr lvl="2"/>
+            <a:r>
+              <a:rPr lang="en-US" dirty="0"/>
+              <a:t>Logo </a:t>
+            </a:r>
+            <a:r>
+              <a:rPr lang="en-US" dirty="0" smtClean="0"/>
+              <a:t>misplacement</a:t>
             </a:r>
             <a:endParaRPr lang="en-US" dirty="0"/>
-          </a:p>
-          <a:p>
-            <a:pPr lvl="1"/>
-            <a:r>
-              <a:rPr lang="en-US" dirty="0"/>
-              <a:t>Donate buttons on index and contact</a:t>
-            </a:r>
-          </a:p>
-          <a:p>
-            <a:pPr lvl="1"/>
-            <a:r>
-              <a:rPr lang="en-US" dirty="0"/>
-              <a:t>Incorrect description on </a:t>
-            </a:r>
-            <a:r>
-              <a:rPr lang="en-US" dirty="0" smtClean="0"/>
-              <a:t>home</a:t>
-            </a:r>
           </a:p>
         </p:txBody>
       </p:sp>
@@ -13799,7 +13934,7 @@
         </p:spPr>
         <p:txBody>
           <a:bodyPr>
-            <a:normAutofit lnSpcReduction="10000"/>
+            <a:normAutofit fontScale="85000" lnSpcReduction="10000"/>
           </a:bodyPr>
           <a:lstStyle/>
           <a:p>
@@ -13839,9 +13974,10 @@
           <a:p>
             <a:pPr lvl="1"/>
             <a:r>
-              <a:rPr lang="en-US" dirty="0"/>
-              <a:t>Style</a:t>
-            </a:r>
+              <a:rPr lang="en-US" dirty="0" smtClean="0"/>
+              <a:t>Style guide</a:t>
+            </a:r>
+            <a:endParaRPr lang="en-US" dirty="0"/>
           </a:p>
           <a:p>
             <a:pPr lvl="1"/>
@@ -13885,11 +14021,11 @@
           <p:nvPr/>
         </p:nvPicPr>
         <p:blipFill>
-          <a:blip r:embed="rId4">
+          <a:blip r:embed="rId3">
             <a:extLst>
               <a:ext uri="{BEBA8EAE-BF5A-486C-A8C5-ECC9F3942E4B}">
                 <a14:imgProps xmlns:a14="http://schemas.microsoft.com/office/drawing/2010/main">
-                  <a14:imgLayer r:embed="rId5">
+                  <a14:imgLayer r:embed="rId4">
                     <a14:imgEffect>
                       <a14:backgroundRemoval t="10000" b="90000" l="10000" r="90000"/>
                     </a14:imgEffect>
@@ -13904,7 +14040,7 @@
         </p:blipFill>
         <p:spPr>
           <a:xfrm>
-            <a:off x="6629720" y="3561028"/>
+            <a:off x="6629720" y="3353726"/>
             <a:ext cx="257995" cy="250407"/>
           </a:xfrm>
           <a:prstGeom prst="rect">
@@ -13921,11 +14057,11 @@
           <p:nvPr/>
         </p:nvPicPr>
         <p:blipFill>
-          <a:blip r:embed="rId6">
+          <a:blip r:embed="rId5">
             <a:extLst>
               <a:ext uri="{BEBA8EAE-BF5A-486C-A8C5-ECC9F3942E4B}">
                 <a14:imgProps xmlns:a14="http://schemas.microsoft.com/office/drawing/2010/main">
-                  <a14:imgLayer r:embed="rId7">
+                  <a14:imgLayer r:embed="rId6">
                     <a14:imgEffect>
                       <a14:backgroundRemoval t="10000" b="90000" l="10000" r="90000"/>
                     </a14:imgEffect>
@@ -13940,79 +14076,7 @@
         </p:blipFill>
         <p:spPr>
           <a:xfrm>
-            <a:off x="1141410" y="2382319"/>
-            <a:ext cx="257285" cy="246784"/>
-          </a:xfrm>
-          <a:prstGeom prst="rect">
-            <a:avLst/>
-          </a:prstGeom>
-        </p:spPr>
-      </p:pic>
-      <p:pic>
-        <p:nvPicPr>
-          <p:cNvPr id="7" name="Picture 6"/>
-          <p:cNvPicPr>
-            <a:picLocks noChangeAspect="1"/>
-          </p:cNvPicPr>
-          <p:nvPr/>
-        </p:nvPicPr>
-        <p:blipFill>
-          <a:blip r:embed="rId6">
-            <a:extLst>
-              <a:ext uri="{BEBA8EAE-BF5A-486C-A8C5-ECC9F3942E4B}">
-                <a14:imgProps xmlns:a14="http://schemas.microsoft.com/office/drawing/2010/main">
-                  <a14:imgLayer r:embed="rId7">
-                    <a14:imgEffect>
-                      <a14:backgroundRemoval t="10000" b="90000" l="10000" r="90000"/>
-                    </a14:imgEffect>
-                  </a14:imgLayer>
-                </a14:imgProps>
-              </a:ext>
-            </a:extLst>
-          </a:blip>
-          <a:stretch>
-            <a:fillRect/>
-          </a:stretch>
-        </p:blipFill>
-        <p:spPr>
-          <a:xfrm>
-            <a:off x="1609546" y="2814581"/>
-            <a:ext cx="257285" cy="246784"/>
-          </a:xfrm>
-          <a:prstGeom prst="rect">
-            <a:avLst/>
-          </a:prstGeom>
-        </p:spPr>
-      </p:pic>
-      <p:pic>
-        <p:nvPicPr>
-          <p:cNvPr id="8" name="Picture 7"/>
-          <p:cNvPicPr>
-            <a:picLocks noChangeAspect="1"/>
-          </p:cNvPicPr>
-          <p:nvPr/>
-        </p:nvPicPr>
-        <p:blipFill>
-          <a:blip r:embed="rId6">
-            <a:extLst>
-              <a:ext uri="{BEBA8EAE-BF5A-486C-A8C5-ECC9F3942E4B}">
-                <a14:imgProps xmlns:a14="http://schemas.microsoft.com/office/drawing/2010/main">
-                  <a14:imgLayer r:embed="rId7">
-                    <a14:imgEffect>
-                      <a14:backgroundRemoval t="10000" b="90000" l="10000" r="90000"/>
-                    </a14:imgEffect>
-                  </a14:imgLayer>
-                </a14:imgProps>
-              </a:ext>
-            </a:extLst>
-          </a:blip>
-          <a:stretch>
-            <a:fillRect/>
-          </a:stretch>
-        </p:blipFill>
-        <p:spPr>
-          <a:xfrm>
-            <a:off x="1609545" y="3547642"/>
+            <a:off x="1157428" y="2352346"/>
             <a:ext cx="257285" cy="246784"/>
           </a:xfrm>
           <a:prstGeom prst="rect">
@@ -14029,11 +14093,11 @@
           <p:nvPr/>
         </p:nvPicPr>
         <p:blipFill>
-          <a:blip r:embed="rId6">
+          <a:blip r:embed="rId5">
             <a:extLst>
               <a:ext uri="{BEBA8EAE-BF5A-486C-A8C5-ECC9F3942E4B}">
                 <a14:imgProps xmlns:a14="http://schemas.microsoft.com/office/drawing/2010/main">
-                  <a14:imgLayer r:embed="rId7">
+                  <a14:imgLayer r:embed="rId6">
                     <a14:imgEffect>
                       <a14:backgroundRemoval t="10000" b="90000" l="10000" r="90000"/>
                     </a14:imgEffect>
@@ -14048,7 +14112,7 @@
         </p:blipFill>
         <p:spPr>
           <a:xfrm>
-            <a:off x="1609545" y="3946823"/>
+            <a:off x="1609542" y="3711705"/>
             <a:ext cx="257285" cy="246784"/>
           </a:xfrm>
           <a:prstGeom prst="rect">
@@ -14065,11 +14129,11 @@
           <p:nvPr/>
         </p:nvPicPr>
         <p:blipFill>
-          <a:blip r:embed="rId6">
+          <a:blip r:embed="rId5">
             <a:extLst>
               <a:ext uri="{BEBA8EAE-BF5A-486C-A8C5-ECC9F3942E4B}">
                 <a14:imgProps xmlns:a14="http://schemas.microsoft.com/office/drawing/2010/main">
-                  <a14:imgLayer r:embed="rId7">
+                  <a14:imgLayer r:embed="rId6">
                     <a14:imgEffect>
                       <a14:backgroundRemoval t="10000" b="90000" l="10000" r="90000"/>
                     </a14:imgEffect>
@@ -14084,43 +14148,7 @@
         </p:blipFill>
         <p:spPr>
           <a:xfrm>
-            <a:off x="1141409" y="4751446"/>
-            <a:ext cx="257285" cy="246784"/>
-          </a:xfrm>
-          <a:prstGeom prst="rect">
-            <a:avLst/>
-          </a:prstGeom>
-        </p:spPr>
-      </p:pic>
-      <p:pic>
-        <p:nvPicPr>
-          <p:cNvPr id="11" name="Picture 10"/>
-          <p:cNvPicPr>
-            <a:picLocks noChangeAspect="1"/>
-          </p:cNvPicPr>
-          <p:nvPr/>
-        </p:nvPicPr>
-        <p:blipFill>
-          <a:blip r:embed="rId6">
-            <a:extLst>
-              <a:ext uri="{BEBA8EAE-BF5A-486C-A8C5-ECC9F3942E4B}">
-                <a14:imgProps xmlns:a14="http://schemas.microsoft.com/office/drawing/2010/main">
-                  <a14:imgLayer r:embed="rId7">
-                    <a14:imgEffect>
-                      <a14:backgroundRemoval t="10000" b="90000" l="10000" r="90000"/>
-                    </a14:imgEffect>
-                  </a14:imgLayer>
-                </a14:imgProps>
-              </a:ext>
-            </a:extLst>
-          </a:blip>
-          <a:stretch>
-            <a:fillRect/>
-          </a:stretch>
-        </p:blipFill>
-        <p:spPr>
-          <a:xfrm>
-            <a:off x="1609544" y="5624282"/>
+            <a:off x="1157428" y="4143994"/>
             <a:ext cx="257285" cy="246784"/>
           </a:xfrm>
           <a:prstGeom prst="rect">
@@ -14137,11 +14165,11 @@
           <p:nvPr/>
         </p:nvPicPr>
         <p:blipFill>
-          <a:blip r:embed="rId6">
+          <a:blip r:embed="rId5">
             <a:extLst>
               <a:ext uri="{BEBA8EAE-BF5A-486C-A8C5-ECC9F3942E4B}">
                 <a14:imgProps xmlns:a14="http://schemas.microsoft.com/office/drawing/2010/main">
-                  <a14:imgLayer r:embed="rId7">
+                  <a14:imgLayer r:embed="rId6">
                     <a14:imgEffect>
                       <a14:backgroundRemoval t="10000" b="90000" l="10000" r="90000"/>
                     </a14:imgEffect>
@@ -14156,7 +14184,7 @@
         </p:blipFill>
         <p:spPr>
           <a:xfrm>
-            <a:off x="1609543" y="6000292"/>
+            <a:off x="1609541" y="5221365"/>
             <a:ext cx="257285" cy="246784"/>
           </a:xfrm>
           <a:prstGeom prst="rect">
@@ -14173,11 +14201,11 @@
           <p:nvPr/>
         </p:nvPicPr>
         <p:blipFill>
-          <a:blip r:embed="rId6">
+          <a:blip r:embed="rId5">
             <a:extLst>
               <a:ext uri="{BEBA8EAE-BF5A-486C-A8C5-ECC9F3942E4B}">
                 <a14:imgProps xmlns:a14="http://schemas.microsoft.com/office/drawing/2010/main">
-                  <a14:imgLayer r:embed="rId7">
+                  <a14:imgLayer r:embed="rId6">
                     <a14:imgEffect>
                       <a14:backgroundRemoval t="10000" b="90000" l="10000" r="90000"/>
                     </a14:imgEffect>
@@ -14192,7 +14220,7 @@
         </p:blipFill>
         <p:spPr>
           <a:xfrm>
-            <a:off x="6194012" y="5250210"/>
+            <a:off x="6205596" y="4819514"/>
             <a:ext cx="257285" cy="246784"/>
           </a:xfrm>
           <a:prstGeom prst="rect">
@@ -14209,11 +14237,11 @@
           <p:nvPr/>
         </p:nvPicPr>
         <p:blipFill>
-          <a:blip r:embed="rId6">
+          <a:blip r:embed="rId5">
             <a:extLst>
               <a:ext uri="{BEBA8EAE-BF5A-486C-A8C5-ECC9F3942E4B}">
                 <a14:imgProps xmlns:a14="http://schemas.microsoft.com/office/drawing/2010/main">
-                  <a14:imgLayer r:embed="rId7">
+                  <a14:imgLayer r:embed="rId6">
                     <a14:imgEffect>
                       <a14:backgroundRemoval t="10000" b="90000" l="10000" r="90000"/>
                     </a14:imgEffect>
@@ -14228,7 +14256,7 @@
         </p:blipFill>
         <p:spPr>
           <a:xfrm>
-            <a:off x="6630434" y="5650911"/>
+            <a:off x="6637378" y="5204091"/>
             <a:ext cx="257285" cy="246784"/>
           </a:xfrm>
           <a:prstGeom prst="rect">
@@ -14245,11 +14273,11 @@
           <p:nvPr/>
         </p:nvPicPr>
         <p:blipFill>
-          <a:blip r:embed="rId6">
+          <a:blip r:embed="rId5">
             <a:extLst>
               <a:ext uri="{BEBA8EAE-BF5A-486C-A8C5-ECC9F3942E4B}">
                 <a14:imgProps xmlns:a14="http://schemas.microsoft.com/office/drawing/2010/main">
-                  <a14:imgLayer r:embed="rId7">
+                  <a14:imgLayer r:embed="rId6">
                     <a14:imgEffect>
                       <a14:backgroundRemoval t="10000" b="90000" l="10000" r="90000"/>
                     </a14:imgEffect>
@@ -14264,7 +14292,7 @@
         </p:blipFill>
         <p:spPr>
           <a:xfrm>
-            <a:off x="6630431" y="4352265"/>
+            <a:off x="6629720" y="4104539"/>
             <a:ext cx="257285" cy="246784"/>
           </a:xfrm>
           <a:prstGeom prst="rect">
@@ -14281,11 +14309,11 @@
           <p:nvPr/>
         </p:nvPicPr>
         <p:blipFill>
-          <a:blip r:embed="rId6">
+          <a:blip r:embed="rId5">
             <a:extLst>
               <a:ext uri="{BEBA8EAE-BF5A-486C-A8C5-ECC9F3942E4B}">
                 <a14:imgProps xmlns:a14="http://schemas.microsoft.com/office/drawing/2010/main">
-                  <a14:imgLayer r:embed="rId7">
+                  <a14:imgLayer r:embed="rId6">
                     <a14:imgEffect>
                       <a14:backgroundRemoval t="10000" b="90000" l="10000" r="90000"/>
                     </a14:imgEffect>
@@ -14300,7 +14328,7 @@
         </p:blipFill>
         <p:spPr>
           <a:xfrm>
-            <a:off x="6630432" y="3975321"/>
+            <a:off x="6629720" y="3742817"/>
             <a:ext cx="257285" cy="246784"/>
           </a:xfrm>
           <a:prstGeom prst="rect">
@@ -14317,11 +14345,11 @@
           <p:nvPr/>
         </p:nvPicPr>
         <p:blipFill>
-          <a:blip r:embed="rId4">
+          <a:blip r:embed="rId3">
             <a:extLst>
               <a:ext uri="{BEBA8EAE-BF5A-486C-A8C5-ECC9F3942E4B}">
                 <a14:imgProps xmlns:a14="http://schemas.microsoft.com/office/drawing/2010/main">
-                  <a14:imgLayer r:embed="rId5">
+                  <a14:imgLayer r:embed="rId4">
                     <a14:imgEffect>
                       <a14:backgroundRemoval t="10000" b="90000" l="10000" r="90000"/>
                     </a14:imgEffect>
@@ -14336,7 +14364,7 @@
         </p:blipFill>
         <p:spPr>
           <a:xfrm>
-            <a:off x="6641273" y="2783091"/>
+            <a:off x="6632301" y="2728116"/>
             <a:ext cx="257995" cy="250407"/>
           </a:xfrm>
           <a:prstGeom prst="rect">
@@ -14353,11 +14381,11 @@
           <p:nvPr/>
         </p:nvPicPr>
         <p:blipFill>
-          <a:blip r:embed="rId4">
+          <a:blip r:embed="rId3">
             <a:extLst>
               <a:ext uri="{BEBA8EAE-BF5A-486C-A8C5-ECC9F3942E4B}">
                 <a14:imgProps xmlns:a14="http://schemas.microsoft.com/office/drawing/2010/main">
-                  <a14:imgLayer r:embed="rId5">
+                  <a14:imgLayer r:embed="rId4">
                     <a14:imgEffect>
                       <a14:backgroundRemoval t="10000" b="90000" l="10000" r="90000"/>
                     </a14:imgEffect>
@@ -14372,7 +14400,7 @@
         </p:blipFill>
         <p:spPr>
           <a:xfrm>
-            <a:off x="7100099" y="3192537"/>
+            <a:off x="7120491" y="3036798"/>
             <a:ext cx="257995" cy="250407"/>
           </a:xfrm>
           <a:prstGeom prst="rect">
@@ -14389,11 +14417,11 @@
           <p:nvPr/>
         </p:nvPicPr>
         <p:blipFill>
-          <a:blip r:embed="rId4">
+          <a:blip r:embed="rId3">
             <a:extLst>
               <a:ext uri="{BEBA8EAE-BF5A-486C-A8C5-ECC9F3942E4B}">
                 <a14:imgProps xmlns:a14="http://schemas.microsoft.com/office/drawing/2010/main">
-                  <a14:imgLayer r:embed="rId5">
+                  <a14:imgLayer r:embed="rId4">
                     <a14:imgEffect>
                       <a14:backgroundRemoval t="10000" b="90000" l="10000" r="90000"/>
                     </a14:imgEffect>
@@ -14408,7 +14436,259 @@
         </p:blipFill>
         <p:spPr>
           <a:xfrm>
-            <a:off x="6641273" y="4767963"/>
+            <a:off x="6641272" y="4392809"/>
+            <a:ext cx="257995" cy="250407"/>
+          </a:xfrm>
+          <a:prstGeom prst="rect">
+            <a:avLst/>
+          </a:prstGeom>
+        </p:spPr>
+      </p:pic>
+      <p:pic>
+        <p:nvPicPr>
+          <p:cNvPr id="25" name="Picture 24"/>
+          <p:cNvPicPr>
+            <a:picLocks noChangeAspect="1"/>
+          </p:cNvPicPr>
+          <p:nvPr/>
+        </p:nvPicPr>
+        <p:blipFill>
+          <a:blip r:embed="rId3">
+            <a:extLst>
+              <a:ext uri="{BEBA8EAE-BF5A-486C-A8C5-ECC9F3942E4B}">
+                <a14:imgProps xmlns:a14="http://schemas.microsoft.com/office/drawing/2010/main">
+                  <a14:imgLayer r:embed="rId4">
+                    <a14:imgEffect>
+                      <a14:backgroundRemoval t="10000" b="90000" l="10000" r="90000"/>
+                    </a14:imgEffect>
+                  </a14:imgLayer>
+                </a14:imgProps>
+              </a:ext>
+            </a:extLst>
+          </a:blip>
+          <a:stretch>
+            <a:fillRect/>
+          </a:stretch>
+        </p:blipFill>
+        <p:spPr>
+          <a:xfrm>
+            <a:off x="1609542" y="4510023"/>
+            <a:ext cx="257995" cy="250407"/>
+          </a:xfrm>
+          <a:prstGeom prst="rect">
+            <a:avLst/>
+          </a:prstGeom>
+        </p:spPr>
+      </p:pic>
+      <p:pic>
+        <p:nvPicPr>
+          <p:cNvPr id="26" name="Picture 25"/>
+          <p:cNvPicPr>
+            <a:picLocks noChangeAspect="1"/>
+          </p:cNvPicPr>
+          <p:nvPr/>
+        </p:nvPicPr>
+        <p:blipFill>
+          <a:blip r:embed="rId5">
+            <a:extLst>
+              <a:ext uri="{BEBA8EAE-BF5A-486C-A8C5-ECC9F3942E4B}">
+                <a14:imgProps xmlns:a14="http://schemas.microsoft.com/office/drawing/2010/main">
+                  <a14:imgLayer r:embed="rId6">
+                    <a14:imgEffect>
+                      <a14:backgroundRemoval t="10000" b="90000" l="10000" r="90000"/>
+                    </a14:imgEffect>
+                  </a14:imgLayer>
+                </a14:imgProps>
+              </a:ext>
+            </a:extLst>
+          </a:blip>
+          <a:stretch>
+            <a:fillRect/>
+          </a:stretch>
+        </p:blipFill>
+        <p:spPr>
+          <a:xfrm>
+            <a:off x="6222169" y="2308003"/>
+            <a:ext cx="257285" cy="246784"/>
+          </a:xfrm>
+          <a:prstGeom prst="rect">
+            <a:avLst/>
+          </a:prstGeom>
+        </p:spPr>
+      </p:pic>
+      <p:pic>
+        <p:nvPicPr>
+          <p:cNvPr id="27" name="Picture 26"/>
+          <p:cNvPicPr>
+            <a:picLocks noChangeAspect="1"/>
+          </p:cNvPicPr>
+          <p:nvPr/>
+        </p:nvPicPr>
+        <p:blipFill>
+          <a:blip r:embed="rId3">
+            <a:extLst>
+              <a:ext uri="{BEBA8EAE-BF5A-486C-A8C5-ECC9F3942E4B}">
+                <a14:imgProps xmlns:a14="http://schemas.microsoft.com/office/drawing/2010/main">
+                  <a14:imgLayer r:embed="rId4">
+                    <a14:imgEffect>
+                      <a14:backgroundRemoval t="10000" b="90000" l="10000" r="90000"/>
+                    </a14:imgEffect>
+                  </a14:imgLayer>
+                </a14:imgProps>
+              </a:ext>
+            </a:extLst>
+          </a:blip>
+          <a:stretch>
+            <a:fillRect/>
+          </a:stretch>
+        </p:blipFill>
+        <p:spPr>
+          <a:xfrm>
+            <a:off x="1621066" y="4842341"/>
+            <a:ext cx="257995" cy="250407"/>
+          </a:xfrm>
+          <a:prstGeom prst="rect">
+            <a:avLst/>
+          </a:prstGeom>
+        </p:spPr>
+      </p:pic>
+      <p:pic>
+        <p:nvPicPr>
+          <p:cNvPr id="29" name="Picture 28"/>
+          <p:cNvPicPr>
+            <a:picLocks noChangeAspect="1"/>
+          </p:cNvPicPr>
+          <p:nvPr/>
+        </p:nvPicPr>
+        <p:blipFill>
+          <a:blip r:embed="rId5">
+            <a:extLst>
+              <a:ext uri="{BEBA8EAE-BF5A-486C-A8C5-ECC9F3942E4B}">
+                <a14:imgProps xmlns:a14="http://schemas.microsoft.com/office/drawing/2010/main">
+                  <a14:imgLayer r:embed="rId6">
+                    <a14:imgEffect>
+                      <a14:backgroundRemoval t="10000" b="90000" l="10000" r="90000"/>
+                    </a14:imgEffect>
+                  </a14:imgLayer>
+                </a14:imgProps>
+              </a:ext>
+            </a:extLst>
+          </a:blip>
+          <a:stretch>
+            <a:fillRect/>
+          </a:stretch>
+        </p:blipFill>
+        <p:spPr>
+          <a:xfrm>
+            <a:off x="2066382" y="5832434"/>
+            <a:ext cx="257285" cy="246784"/>
+          </a:xfrm>
+          <a:prstGeom prst="rect">
+            <a:avLst/>
+          </a:prstGeom>
+        </p:spPr>
+      </p:pic>
+      <p:pic>
+        <p:nvPicPr>
+          <p:cNvPr id="30" name="Picture 29"/>
+          <p:cNvPicPr>
+            <a:picLocks noChangeAspect="1"/>
+          </p:cNvPicPr>
+          <p:nvPr/>
+        </p:nvPicPr>
+        <p:blipFill>
+          <a:blip r:embed="rId3">
+            <a:extLst>
+              <a:ext uri="{BEBA8EAE-BF5A-486C-A8C5-ECC9F3942E4B}">
+                <a14:imgProps xmlns:a14="http://schemas.microsoft.com/office/drawing/2010/main">
+                  <a14:imgLayer r:embed="rId4">
+                    <a14:imgEffect>
+                      <a14:backgroundRemoval t="10000" b="90000" l="10000" r="90000"/>
+                    </a14:imgEffect>
+                  </a14:imgLayer>
+                </a14:imgProps>
+              </a:ext>
+            </a:extLst>
+          </a:blip>
+          <a:stretch>
+            <a:fillRect/>
+          </a:stretch>
+        </p:blipFill>
+        <p:spPr>
+          <a:xfrm>
+            <a:off x="2066382" y="5554833"/>
+            <a:ext cx="257995" cy="250407"/>
+          </a:xfrm>
+          <a:prstGeom prst="rect">
+            <a:avLst/>
+          </a:prstGeom>
+        </p:spPr>
+      </p:pic>
+      <p:pic>
+        <p:nvPicPr>
+          <p:cNvPr id="28" name="Picture 27"/>
+          <p:cNvPicPr>
+            <a:picLocks noChangeAspect="1"/>
+          </p:cNvPicPr>
+          <p:nvPr/>
+        </p:nvPicPr>
+        <p:blipFill>
+          <a:blip r:embed="rId3">
+            <a:extLst>
+              <a:ext uri="{BEBA8EAE-BF5A-486C-A8C5-ECC9F3942E4B}">
+                <a14:imgProps xmlns:a14="http://schemas.microsoft.com/office/drawing/2010/main">
+                  <a14:imgLayer r:embed="rId4">
+                    <a14:imgEffect>
+                      <a14:backgroundRemoval t="10000" b="90000" l="10000" r="90000"/>
+                    </a14:imgEffect>
+                  </a14:imgLayer>
+                </a14:imgProps>
+              </a:ext>
+            </a:extLst>
+          </a:blip>
+          <a:stretch>
+            <a:fillRect/>
+          </a:stretch>
+        </p:blipFill>
+        <p:spPr>
+          <a:xfrm>
+            <a:off x="1613608" y="2728116"/>
+            <a:ext cx="257995" cy="250407"/>
+          </a:xfrm>
+          <a:prstGeom prst="rect">
+            <a:avLst/>
+          </a:prstGeom>
+        </p:spPr>
+      </p:pic>
+      <p:pic>
+        <p:nvPicPr>
+          <p:cNvPr id="31" name="Picture 30"/>
+          <p:cNvPicPr>
+            <a:picLocks noChangeAspect="1"/>
+          </p:cNvPicPr>
+          <p:nvPr/>
+        </p:nvPicPr>
+        <p:blipFill>
+          <a:blip r:embed="rId3">
+            <a:extLst>
+              <a:ext uri="{BEBA8EAE-BF5A-486C-A8C5-ECC9F3942E4B}">
+                <a14:imgProps xmlns:a14="http://schemas.microsoft.com/office/drawing/2010/main">
+                  <a14:imgLayer r:embed="rId4">
+                    <a14:imgEffect>
+                      <a14:backgroundRemoval t="10000" b="90000" l="10000" r="90000"/>
+                    </a14:imgEffect>
+                  </a14:imgLayer>
+                </a14:imgProps>
+              </a:ext>
+            </a:extLst>
+          </a:blip>
+          <a:stretch>
+            <a:fillRect/>
+          </a:stretch>
+        </p:blipFill>
+        <p:spPr>
+          <a:xfrm>
+            <a:off x="1621066" y="3353726"/>
             <a:ext cx="257995" cy="250407"/>
           </a:xfrm>
           <a:prstGeom prst="rect">
@@ -14436,6 +14716,247 @@
       </p:par>
     </p:tnLst>
   </p:timing>
+</p:sld>
+</file>
+
+<file path=ppt/slides/slide4.xml><?xml version="1.0" encoding="utf-8"?>
+<p:sld xmlns:a="http://schemas.openxmlformats.org/drawingml/2006/main" xmlns:r="http://schemas.openxmlformats.org/officeDocument/2006/relationships" xmlns:p="http://schemas.openxmlformats.org/presentationml/2006/main">
+  <p:cSld>
+    <p:spTree>
+      <p:nvGrpSpPr>
+        <p:cNvPr id="1" name=""/>
+        <p:cNvGrpSpPr/>
+        <p:nvPr/>
+      </p:nvGrpSpPr>
+      <p:grpSpPr>
+        <a:xfrm>
+          <a:off x="0" y="0"/>
+          <a:ext cx="0" cy="0"/>
+          <a:chOff x="0" y="0"/>
+          <a:chExt cx="0" cy="0"/>
+        </a:xfrm>
+      </p:grpSpPr>
+      <p:sp>
+        <p:nvSpPr>
+          <p:cNvPr id="5" name="Title 4"/>
+          <p:cNvSpPr>
+            <a:spLocks noGrp="1"/>
+          </p:cNvSpPr>
+          <p:nvPr>
+            <p:ph type="title"/>
+          </p:nvPr>
+        </p:nvSpPr>
+        <p:spPr/>
+        <p:txBody>
+          <a:bodyPr/>
+          <a:lstStyle/>
+          <a:p>
+            <a:r>
+              <a:rPr lang="en-US" dirty="0" smtClean="0"/>
+              <a:t>Contributions</a:t>
+            </a:r>
+            <a:endParaRPr lang="en-US" dirty="0"/>
+          </a:p>
+        </p:txBody>
+      </p:sp>
+      <p:sp>
+        <p:nvSpPr>
+          <p:cNvPr id="6" name="Content Placeholder 5"/>
+          <p:cNvSpPr>
+            <a:spLocks noGrp="1"/>
+          </p:cNvSpPr>
+          <p:nvPr>
+            <p:ph sz="half" idx="1"/>
+          </p:nvPr>
+        </p:nvSpPr>
+        <p:spPr>
+          <a:xfrm>
+            <a:off x="1141410" y="2249485"/>
+            <a:ext cx="4878389" cy="4109751"/>
+          </a:xfrm>
+        </p:spPr>
+        <p:txBody>
+          <a:bodyPr>
+            <a:normAutofit fontScale="92500"/>
+          </a:bodyPr>
+          <a:lstStyle/>
+          <a:p>
+            <a:r>
+              <a:rPr lang="en-US" dirty="0" smtClean="0">
+                <a:hlinkClick r:id="rId2"/>
+              </a:rPr>
+              <a:t>Commits</a:t>
+            </a:r>
+            <a:r>
+              <a:rPr lang="en-US" dirty="0" smtClean="0"/>
+              <a:t> and </a:t>
+            </a:r>
+            <a:r>
+              <a:rPr lang="en-US" dirty="0" smtClean="0">
+                <a:hlinkClick r:id="rId3"/>
+              </a:rPr>
+              <a:t>Pull Requests</a:t>
+            </a:r>
+            <a:endParaRPr lang="en-US" dirty="0" smtClean="0"/>
+          </a:p>
+          <a:p>
+            <a:r>
+              <a:rPr lang="en-US" dirty="0" smtClean="0"/>
+              <a:t>Learning new languages</a:t>
+            </a:r>
+          </a:p>
+          <a:p>
+            <a:pPr lvl="1"/>
+            <a:r>
+              <a:rPr lang="en-US" dirty="0" smtClean="0"/>
+              <a:t>PHP, HTML/CSS</a:t>
+            </a:r>
+          </a:p>
+          <a:p>
+            <a:pPr lvl="1"/>
+            <a:r>
+              <a:rPr lang="en-US" dirty="0" smtClean="0"/>
+              <a:t>Self-taught </a:t>
+            </a:r>
+          </a:p>
+          <a:p>
+            <a:pPr lvl="2"/>
+            <a:r>
+              <a:rPr lang="en-US" dirty="0" smtClean="0"/>
+              <a:t>Online documentation and experimentation</a:t>
+            </a:r>
+          </a:p>
+          <a:p>
+            <a:r>
+              <a:rPr lang="en-US" dirty="0" smtClean="0"/>
+              <a:t>Communication via Slack</a:t>
+            </a:r>
+          </a:p>
+          <a:p>
+            <a:pPr lvl="1"/>
+            <a:r>
+              <a:rPr lang="en-US" dirty="0" smtClean="0"/>
+              <a:t>Questions to both of the other developers</a:t>
+            </a:r>
+          </a:p>
+          <a:p>
+            <a:r>
+              <a:rPr lang="en-US" dirty="0" smtClean="0">
+                <a:hlinkClick r:id="rId4"/>
+              </a:rPr>
+              <a:t>Blog Posts!</a:t>
+            </a:r>
+            <a:endParaRPr lang="en-US" dirty="0" smtClean="0"/>
+          </a:p>
+        </p:txBody>
+      </p:sp>
+      <p:pic>
+        <p:nvPicPr>
+          <p:cNvPr id="8" name="Content Placeholder 7"/>
+          <p:cNvPicPr>
+            <a:picLocks noGrp="1" noChangeAspect="1"/>
+          </p:cNvPicPr>
+          <p:nvPr>
+            <p:ph sz="half" idx="2"/>
+          </p:nvPr>
+        </p:nvPicPr>
+        <p:blipFill>
+          <a:blip r:embed="rId5">
+            <a:extLst>
+              <a:ext uri="{28A0092B-C50C-407E-A947-70E740481C1C}">
+                <a14:useLocalDpi xmlns:a14="http://schemas.microsoft.com/office/drawing/2010/main" val="0"/>
+              </a:ext>
+            </a:extLst>
+          </a:blip>
+          <a:stretch>
+            <a:fillRect/>
+          </a:stretch>
+        </p:blipFill>
+        <p:spPr>
+          <a:xfrm>
+            <a:off x="6172200" y="2639859"/>
+            <a:ext cx="4875213" cy="3329295"/>
+          </a:xfrm>
+        </p:spPr>
+      </p:pic>
+    </p:spTree>
+    <p:extLst>
+      <p:ext uri="{BB962C8B-B14F-4D97-AF65-F5344CB8AC3E}">
+        <p14:creationId xmlns:p14="http://schemas.microsoft.com/office/powerpoint/2010/main" val="559980247"/>
+      </p:ext>
+    </p:extLst>
+  </p:cSld>
+  <p:clrMapOvr>
+    <a:masterClrMapping/>
+  </p:clrMapOvr>
+  <p:transition spd="slow">
+    <p:randomBar dir="vert"/>
+  </p:transition>
+</p:sld>
+</file>
+
+<file path=ppt/slides/slide5.xml><?xml version="1.0" encoding="utf-8"?>
+<p:sld xmlns:a="http://schemas.openxmlformats.org/drawingml/2006/main" xmlns:r="http://schemas.openxmlformats.org/officeDocument/2006/relationships" xmlns:p="http://schemas.openxmlformats.org/presentationml/2006/main">
+  <p:cSld>
+    <p:spTree>
+      <p:nvGrpSpPr>
+        <p:cNvPr id="1" name=""/>
+        <p:cNvGrpSpPr/>
+        <p:nvPr/>
+      </p:nvGrpSpPr>
+      <p:grpSpPr>
+        <a:xfrm>
+          <a:off x="0" y="0"/>
+          <a:ext cx="0" cy="0"/>
+          <a:chOff x="0" y="0"/>
+          <a:chExt cx="0" cy="0"/>
+        </a:xfrm>
+      </p:grpSpPr>
+      <p:pic>
+        <p:nvPicPr>
+          <p:cNvPr id="4" name="Picture 3">
+            <a:hlinkClick r:id="rId3"/>
+          </p:cNvPr>
+          <p:cNvPicPr>
+            <a:picLocks noChangeAspect="1"/>
+          </p:cNvPicPr>
+          <p:nvPr/>
+        </p:nvPicPr>
+        <p:blipFill>
+          <a:blip r:embed="rId4">
+            <a:extLst>
+              <a:ext uri="{28A0092B-C50C-407E-A947-70E740481C1C}">
+                <a14:useLocalDpi xmlns:a14="http://schemas.microsoft.com/office/drawing/2010/main" val="0"/>
+              </a:ext>
+            </a:extLst>
+          </a:blip>
+          <a:stretch>
+            <a:fillRect/>
+          </a:stretch>
+        </p:blipFill>
+        <p:spPr>
+          <a:xfrm>
+            <a:off x="3582232" y="2096192"/>
+            <a:ext cx="4687240" cy="2691938"/>
+          </a:xfrm>
+          <a:prstGeom prst="rect">
+            <a:avLst/>
+          </a:prstGeom>
+        </p:spPr>
+      </p:pic>
+    </p:spTree>
+    <p:extLst>
+      <p:ext uri="{BB962C8B-B14F-4D97-AF65-F5344CB8AC3E}">
+        <p14:creationId xmlns:p14="http://schemas.microsoft.com/office/powerpoint/2010/main" val="2824175793"/>
+      </p:ext>
+    </p:extLst>
+  </p:cSld>
+  <p:clrMapOvr>
+    <a:masterClrMapping/>
+  </p:clrMapOvr>
+  <p:transition spd="slow">
+    <p:randomBar dir="vert"/>
+  </p:transition>
 </p:sld>
 </file>
 

--- a/Project/Project Update Final.pptx
+++ b/Project/Project Update Final.pptx
@@ -13557,7 +13557,19 @@
             </a:pPr>
             <a:r>
               <a:rPr lang="en-US" sz="600" dirty="0" smtClean="0"/>
-              <a:t>Part 2: electric Boogaloo</a:t>
+              <a:t>Part 2: </a:t>
+            </a:r>
+            <a:r>
+              <a:rPr lang="en-US" sz="600" dirty="0" err="1" smtClean="0"/>
+              <a:t>electic</a:t>
+            </a:r>
+            <a:r>
+              <a:rPr lang="en-US" sz="600" dirty="0" smtClean="0"/>
+              <a:t> </a:t>
+            </a:r>
+            <a:r>
+              <a:rPr lang="en-US" sz="600" dirty="0" err="1" smtClean="0"/>
+              <a:t>Boogaloo</a:t>
             </a:r>
             <a:endParaRPr lang="en-US" sz="600" dirty="0"/>
           </a:p>
